--- a/Pawnshop_and_Jewelry_Store.pptx
+++ b/Pawnshop_and_Jewelry_Store.pptx
@@ -2,30 +2,34 @@
 <file path=ppt/presentation.xml><?xml version="1.0" encoding="utf-8"?>
 <p:presentation xmlns:a="http://schemas.openxmlformats.org/drawingml/2006/main" xmlns:r="http://schemas.openxmlformats.org/officeDocument/2006/relationships" xmlns:p="http://schemas.openxmlformats.org/presentationml/2006/main" saveSubsetFonts="1">
   <p:sldMasterIdLst>
-    <p:sldMasterId id="2147483672" r:id="rId1"/>
+    <p:sldMasterId id="2147483684" r:id="rId1"/>
   </p:sldMasterIdLst>
   <p:sldIdLst>
     <p:sldId id="256" r:id="rId2"/>
-    <p:sldId id="257" r:id="rId3"/>
-    <p:sldId id="258" r:id="rId4"/>
-    <p:sldId id="259" r:id="rId5"/>
-    <p:sldId id="268" r:id="rId6"/>
-    <p:sldId id="270" r:id="rId7"/>
-    <p:sldId id="260" r:id="rId8"/>
-    <p:sldId id="269" r:id="rId9"/>
-    <p:sldId id="271" r:id="rId10"/>
-    <p:sldId id="262" r:id="rId11"/>
-    <p:sldId id="263" r:id="rId12"/>
-    <p:sldId id="266" r:id="rId13"/>
-    <p:sldId id="267" r:id="rId14"/>
+    <p:sldId id="262" r:id="rId3"/>
+    <p:sldId id="257" r:id="rId4"/>
+    <p:sldId id="258" r:id="rId5"/>
+    <p:sldId id="259" r:id="rId6"/>
+    <p:sldId id="268" r:id="rId7"/>
+    <p:sldId id="272" r:id="rId8"/>
+    <p:sldId id="270" r:id="rId9"/>
+    <p:sldId id="260" r:id="rId10"/>
+    <p:sldId id="269" r:id="rId11"/>
+    <p:sldId id="273" r:id="rId12"/>
+    <p:sldId id="274" r:id="rId13"/>
+    <p:sldId id="271" r:id="rId14"/>
+    <p:sldId id="261" r:id="rId15"/>
+    <p:sldId id="263" r:id="rId16"/>
+    <p:sldId id="266" r:id="rId17"/>
+    <p:sldId id="267" r:id="rId18"/>
   </p:sldIdLst>
   <p:sldSz cx="12192000" cy="6858000"/>
   <p:notesSz cx="6858000" cy="9144000"/>
   <p:defaultTextStyle>
     <a:defPPr>
-      <a:defRPr lang="hu-HU"/>
+      <a:defRPr lang="en-US"/>
     </a:defPPr>
-    <a:lvl1pPr marL="0" algn="l" defTabSz="914400" rtl="0" eaLnBrk="1" latinLnBrk="0" hangingPunct="1">
+    <a:lvl1pPr marL="0" algn="l" defTabSz="457200" rtl="0" eaLnBrk="1" latinLnBrk="0" hangingPunct="1">
       <a:defRPr sz="1800" kern="1200">
         <a:solidFill>
           <a:schemeClr val="tx1"/>
@@ -35,7 +39,7 @@
         <a:cs typeface="+mn-cs"/>
       </a:defRPr>
     </a:lvl1pPr>
-    <a:lvl2pPr marL="457200" algn="l" defTabSz="914400" rtl="0" eaLnBrk="1" latinLnBrk="0" hangingPunct="1">
+    <a:lvl2pPr marL="457200" algn="l" defTabSz="457200" rtl="0" eaLnBrk="1" latinLnBrk="0" hangingPunct="1">
       <a:defRPr sz="1800" kern="1200">
         <a:solidFill>
           <a:schemeClr val="tx1"/>
@@ -45,7 +49,7 @@
         <a:cs typeface="+mn-cs"/>
       </a:defRPr>
     </a:lvl2pPr>
-    <a:lvl3pPr marL="914400" algn="l" defTabSz="914400" rtl="0" eaLnBrk="1" latinLnBrk="0" hangingPunct="1">
+    <a:lvl3pPr marL="914400" algn="l" defTabSz="457200" rtl="0" eaLnBrk="1" latinLnBrk="0" hangingPunct="1">
       <a:defRPr sz="1800" kern="1200">
         <a:solidFill>
           <a:schemeClr val="tx1"/>
@@ -55,7 +59,7 @@
         <a:cs typeface="+mn-cs"/>
       </a:defRPr>
     </a:lvl3pPr>
-    <a:lvl4pPr marL="1371600" algn="l" defTabSz="914400" rtl="0" eaLnBrk="1" latinLnBrk="0" hangingPunct="1">
+    <a:lvl4pPr marL="1371600" algn="l" defTabSz="457200" rtl="0" eaLnBrk="1" latinLnBrk="0" hangingPunct="1">
       <a:defRPr sz="1800" kern="1200">
         <a:solidFill>
           <a:schemeClr val="tx1"/>
@@ -65,7 +69,7 @@
         <a:cs typeface="+mn-cs"/>
       </a:defRPr>
     </a:lvl4pPr>
-    <a:lvl5pPr marL="1828800" algn="l" defTabSz="914400" rtl="0" eaLnBrk="1" latinLnBrk="0" hangingPunct="1">
+    <a:lvl5pPr marL="1828800" algn="l" defTabSz="457200" rtl="0" eaLnBrk="1" latinLnBrk="0" hangingPunct="1">
       <a:defRPr sz="1800" kern="1200">
         <a:solidFill>
           <a:schemeClr val="tx1"/>
@@ -75,7 +79,7 @@
         <a:cs typeface="+mn-cs"/>
       </a:defRPr>
     </a:lvl5pPr>
-    <a:lvl6pPr marL="2286000" algn="l" defTabSz="914400" rtl="0" eaLnBrk="1" latinLnBrk="0" hangingPunct="1">
+    <a:lvl6pPr marL="2286000" algn="l" defTabSz="457200" rtl="0" eaLnBrk="1" latinLnBrk="0" hangingPunct="1">
       <a:defRPr sz="1800" kern="1200">
         <a:solidFill>
           <a:schemeClr val="tx1"/>
@@ -85,7 +89,7 @@
         <a:cs typeface="+mn-cs"/>
       </a:defRPr>
     </a:lvl6pPr>
-    <a:lvl7pPr marL="2743200" algn="l" defTabSz="914400" rtl="0" eaLnBrk="1" latinLnBrk="0" hangingPunct="1">
+    <a:lvl7pPr marL="2743200" algn="l" defTabSz="457200" rtl="0" eaLnBrk="1" latinLnBrk="0" hangingPunct="1">
       <a:defRPr sz="1800" kern="1200">
         <a:solidFill>
           <a:schemeClr val="tx1"/>
@@ -95,7 +99,7 @@
         <a:cs typeface="+mn-cs"/>
       </a:defRPr>
     </a:lvl7pPr>
-    <a:lvl8pPr marL="3200400" algn="l" defTabSz="914400" rtl="0" eaLnBrk="1" latinLnBrk="0" hangingPunct="1">
+    <a:lvl8pPr marL="3200400" algn="l" defTabSz="457200" rtl="0" eaLnBrk="1" latinLnBrk="0" hangingPunct="1">
       <a:defRPr sz="1800" kern="1200">
         <a:solidFill>
           <a:schemeClr val="tx1"/>
@@ -105,7 +109,7 @@
         <a:cs typeface="+mn-cs"/>
       </a:defRPr>
     </a:lvl8pPr>
-    <a:lvl9pPr marL="3657600" algn="l" defTabSz="914400" rtl="0" eaLnBrk="1" latinLnBrk="0" hangingPunct="1">
+    <a:lvl9pPr marL="3657600" algn="l" defTabSz="457200" rtl="0" eaLnBrk="1" latinLnBrk="0" hangingPunct="1">
       <a:defRPr sz="1800" kern="1200">
         <a:solidFill>
           <a:schemeClr val="tx1"/>
@@ -143,7 +147,7 @@
       </p:grpSpPr>
       <p:sp>
         <p:nvSpPr>
-          <p:cNvPr id="2" name="Cím 1"/>
+          <p:cNvPr id="2" name="Title 1"/>
           <p:cNvSpPr>
             <a:spLocks noGrp="1"/>
           </p:cNvSpPr>
@@ -153,15 +157,17 @@
         </p:nvSpPr>
         <p:spPr>
           <a:xfrm>
-            <a:off x="1524000" y="1122363"/>
-            <a:ext cx="9144000" cy="2387600"/>
-          </a:xfrm>
-        </p:spPr>
-        <p:txBody>
-          <a:bodyPr anchor="b"/>
+            <a:off x="2417779" y="802298"/>
+            <a:ext cx="8637073" cy="2541431"/>
+          </a:xfrm>
+        </p:spPr>
+        <p:txBody>
+          <a:bodyPr bIns="0" anchor="b">
+            <a:normAutofit/>
+          </a:bodyPr>
           <a:lstStyle>
-            <a:lvl1pPr algn="ctr">
-              <a:defRPr sz="6000"/>
+            <a:lvl1pPr algn="l">
+              <a:defRPr sz="6600"/>
             </a:lvl1pPr>
           </a:lstStyle>
           <a:p>
@@ -169,13 +175,13 @@
               <a:rPr lang="hu-HU"/>
               <a:t>Mintacím szerkesztése</a:t>
             </a:r>
-            <a:endParaRPr lang="en-GB"/>
-          </a:p>
-        </p:txBody>
-      </p:sp>
-      <p:sp>
-        <p:nvSpPr>
-          <p:cNvPr id="3" name="Alcím 2"/>
+            <a:endParaRPr lang="en-US" dirty="0"/>
+          </a:p>
+        </p:txBody>
+      </p:sp>
+      <p:sp>
+        <p:nvSpPr>
+          <p:cNvPr id="3" name="Subtitle 2"/>
           <p:cNvSpPr>
             <a:spLocks noGrp="1"/>
           </p:cNvSpPr>
@@ -185,20 +191,26 @@
         </p:nvSpPr>
         <p:spPr>
           <a:xfrm>
-            <a:off x="1524000" y="3602038"/>
-            <a:ext cx="9144000" cy="1655762"/>
-          </a:xfrm>
-        </p:spPr>
-        <p:txBody>
-          <a:bodyPr/>
+            <a:off x="2417780" y="3531204"/>
+            <a:ext cx="8637072" cy="977621"/>
+          </a:xfrm>
+        </p:spPr>
+        <p:txBody>
+          <a:bodyPr tIns="91440" bIns="91440">
+            <a:normAutofit/>
+          </a:bodyPr>
           <a:lstStyle>
-            <a:lvl1pPr marL="0" indent="0" algn="ctr">
-              <a:buNone/>
-              <a:defRPr sz="2400"/>
+            <a:lvl1pPr marL="0" indent="0" algn="l">
+              <a:buNone/>
+              <a:defRPr sz="1800" b="0" cap="all" baseline="0">
+                <a:solidFill>
+                  <a:schemeClr val="tx1"/>
+                </a:solidFill>
+              </a:defRPr>
             </a:lvl1pPr>
             <a:lvl2pPr marL="457200" indent="0" algn="ctr">
               <a:buNone/>
-              <a:defRPr sz="2000"/>
+              <a:defRPr sz="1800"/>
             </a:lvl2pPr>
             <a:lvl3pPr marL="914400" indent="0" algn="ctr">
               <a:buNone/>
@@ -234,13 +246,13 @@
               <a:rPr lang="hu-HU"/>
               <a:t>Kattintson ide az alcím mintájának szerkesztéséhez</a:t>
             </a:r>
-            <a:endParaRPr lang="en-GB"/>
-          </a:p>
-        </p:txBody>
-      </p:sp>
-      <p:sp>
-        <p:nvSpPr>
-          <p:cNvPr id="4" name="Dátum helye 3"/>
+            <a:endParaRPr lang="en-US" dirty="0"/>
+          </a:p>
+        </p:txBody>
+      </p:sp>
+      <p:sp>
+        <p:nvSpPr>
+          <p:cNvPr id="4" name="Date Placeholder 3"/>
           <p:cNvSpPr>
             <a:spLocks noGrp="1"/>
           </p:cNvSpPr>
@@ -255,7 +267,7 @@
           <a:p>
             <a:fld id="{9F4F7D78-CF20-461A-86B4-A4E769077D55}" type="datetimeFigureOut">
               <a:rPr lang="hu-HU" smtClean="0"/>
-              <a:t>2023. 04. 16.</a:t>
+              <a:t>2023. 04. 19.</a:t>
             </a:fld>
             <a:endParaRPr lang="hu-HU"/>
           </a:p>
@@ -263,7 +275,7 @@
       </p:sp>
       <p:sp>
         <p:nvSpPr>
-          <p:cNvPr id="5" name="Élőláb helye 4"/>
+          <p:cNvPr id="5" name="Footer Placeholder 4"/>
           <p:cNvSpPr>
             <a:spLocks noGrp="1"/>
           </p:cNvSpPr>
@@ -271,7 +283,12 @@
             <p:ph type="ftr" sz="quarter" idx="11"/>
           </p:nvPr>
         </p:nvSpPr>
-        <p:spPr/>
+        <p:spPr>
+          <a:xfrm>
+            <a:off x="2416500" y="329307"/>
+            <a:ext cx="4973915" cy="309201"/>
+          </a:xfrm>
+        </p:spPr>
         <p:txBody>
           <a:bodyPr/>
           <a:lstStyle/>
@@ -282,7 +299,7 @@
       </p:sp>
       <p:sp>
         <p:nvSpPr>
-          <p:cNvPr id="6" name="Dia számának helye 5"/>
+          <p:cNvPr id="6" name="Slide Number Placeholder 5"/>
           <p:cNvSpPr>
             <a:spLocks noGrp="1"/>
           </p:cNvSpPr>
@@ -290,7 +307,12 @@
             <p:ph type="sldNum" sz="quarter" idx="12"/>
           </p:nvPr>
         </p:nvSpPr>
-        <p:spPr/>
+        <p:spPr>
+          <a:xfrm>
+            <a:off x="1437664" y="798973"/>
+            <a:ext cx="811019" cy="503578"/>
+          </a:xfrm>
+        </p:spPr>
         <p:txBody>
           <a:bodyPr/>
           <a:lstStyle/>
@@ -303,10 +325,41 @@
           </a:p>
         </p:txBody>
       </p:sp>
+      <p:cxnSp>
+        <p:nvCxnSpPr>
+          <p:cNvPr id="15" name="Straight Connector 14"/>
+          <p:cNvCxnSpPr/>
+          <p:nvPr/>
+        </p:nvCxnSpPr>
+        <p:spPr>
+          <a:xfrm>
+            <a:off x="2417780" y="3528542"/>
+            <a:ext cx="8637072" cy="0"/>
+          </a:xfrm>
+          <a:prstGeom prst="line">
+            <a:avLst/>
+          </a:prstGeom>
+          <a:ln w="31750"/>
+        </p:spPr>
+        <p:style>
+          <a:lnRef idx="3">
+            <a:schemeClr val="accent1"/>
+          </a:lnRef>
+          <a:fillRef idx="0">
+            <a:schemeClr val="accent1"/>
+          </a:fillRef>
+          <a:effectRef idx="2">
+            <a:schemeClr val="accent1"/>
+          </a:effectRef>
+          <a:fontRef idx="minor">
+            <a:schemeClr val="tx1"/>
+          </a:fontRef>
+        </p:style>
+      </p:cxnSp>
     </p:spTree>
     <p:extLst>
       <p:ext uri="{BB962C8B-B14F-4D97-AF65-F5344CB8AC3E}">
-        <p14:creationId xmlns:p14="http://schemas.microsoft.com/office/powerpoint/2010/main" val="2491310043"/>
+        <p14:creationId xmlns:p14="http://schemas.microsoft.com/office/powerpoint/2010/main" val="3056959375"/>
       </p:ext>
     </p:extLst>
   </p:cSld>
@@ -335,7 +388,7 @@
       </p:grpSpPr>
       <p:sp>
         <p:nvSpPr>
-          <p:cNvPr id="2" name="Cím 1"/>
+          <p:cNvPr id="2" name="Title 1"/>
           <p:cNvSpPr>
             <a:spLocks noGrp="1"/>
           </p:cNvSpPr>
@@ -352,13 +405,13 @@
               <a:rPr lang="hu-HU"/>
               <a:t>Mintacím szerkesztése</a:t>
             </a:r>
-            <a:endParaRPr lang="en-GB"/>
-          </a:p>
-        </p:txBody>
-      </p:sp>
-      <p:sp>
-        <p:nvSpPr>
-          <p:cNvPr id="3" name="Függőleges szöveg helye 2"/>
+            <a:endParaRPr lang="en-US" dirty="0"/>
+          </a:p>
+        </p:txBody>
+      </p:sp>
+      <p:sp>
+        <p:nvSpPr>
+          <p:cNvPr id="3" name="Vertical Text Placeholder 2"/>
           <p:cNvSpPr>
             <a:spLocks noGrp="1"/>
           </p:cNvSpPr>
@@ -404,13 +457,13 @@
               <a:rPr lang="hu-HU"/>
               <a:t>Ötödik szint</a:t>
             </a:r>
-            <a:endParaRPr lang="en-GB"/>
-          </a:p>
-        </p:txBody>
-      </p:sp>
-      <p:sp>
-        <p:nvSpPr>
-          <p:cNvPr id="4" name="Dátum helye 3"/>
+            <a:endParaRPr lang="en-US" dirty="0"/>
+          </a:p>
+        </p:txBody>
+      </p:sp>
+      <p:sp>
+        <p:nvSpPr>
+          <p:cNvPr id="4" name="Date Placeholder 3"/>
           <p:cNvSpPr>
             <a:spLocks noGrp="1"/>
           </p:cNvSpPr>
@@ -425,7 +478,7 @@
           <a:p>
             <a:fld id="{9F4F7D78-CF20-461A-86B4-A4E769077D55}" type="datetimeFigureOut">
               <a:rPr lang="hu-HU" smtClean="0"/>
-              <a:t>2023. 04. 16.</a:t>
+              <a:t>2023. 04. 19.</a:t>
             </a:fld>
             <a:endParaRPr lang="hu-HU"/>
           </a:p>
@@ -433,7 +486,7 @@
       </p:sp>
       <p:sp>
         <p:nvSpPr>
-          <p:cNvPr id="5" name="Élőláb helye 4"/>
+          <p:cNvPr id="5" name="Footer Placeholder 4"/>
           <p:cNvSpPr>
             <a:spLocks noGrp="1"/>
           </p:cNvSpPr>
@@ -452,7 +505,7 @@
       </p:sp>
       <p:sp>
         <p:nvSpPr>
-          <p:cNvPr id="6" name="Dia számának helye 5"/>
+          <p:cNvPr id="6" name="Slide Number Placeholder 5"/>
           <p:cNvSpPr>
             <a:spLocks noGrp="1"/>
           </p:cNvSpPr>
@@ -473,10 +526,41 @@
           </a:p>
         </p:txBody>
       </p:sp>
+      <p:cxnSp>
+        <p:nvCxnSpPr>
+          <p:cNvPr id="26" name="Straight Connector 25"/>
+          <p:cNvCxnSpPr/>
+          <p:nvPr/>
+        </p:nvCxnSpPr>
+        <p:spPr>
+          <a:xfrm>
+            <a:off x="1453896" y="1847088"/>
+            <a:ext cx="9607522" cy="0"/>
+          </a:xfrm>
+          <a:prstGeom prst="line">
+            <a:avLst/>
+          </a:prstGeom>
+          <a:ln w="31750"/>
+        </p:spPr>
+        <p:style>
+          <a:lnRef idx="3">
+            <a:schemeClr val="accent1"/>
+          </a:lnRef>
+          <a:fillRef idx="0">
+            <a:schemeClr val="accent1"/>
+          </a:fillRef>
+          <a:effectRef idx="2">
+            <a:schemeClr val="accent1"/>
+          </a:effectRef>
+          <a:fontRef idx="minor">
+            <a:schemeClr val="tx1"/>
+          </a:fontRef>
+        </p:style>
+      </p:cxnSp>
     </p:spTree>
     <p:extLst>
       <p:ext uri="{BB962C8B-B14F-4D97-AF65-F5344CB8AC3E}">
-        <p14:creationId xmlns:p14="http://schemas.microsoft.com/office/powerpoint/2010/main" val="3875230276"/>
+        <p14:creationId xmlns:p14="http://schemas.microsoft.com/office/powerpoint/2010/main" val="297781573"/>
       </p:ext>
     </p:extLst>
   </p:cSld>
@@ -505,7 +589,7 @@
       </p:grpSpPr>
       <p:sp>
         <p:nvSpPr>
-          <p:cNvPr id="2" name="Függőleges cím 1"/>
+          <p:cNvPr id="2" name="Vertical Title 1"/>
           <p:cNvSpPr>
             <a:spLocks noGrp="1"/>
           </p:cNvSpPr>
@@ -515,25 +599,29 @@
         </p:nvSpPr>
         <p:spPr>
           <a:xfrm>
-            <a:off x="8724900" y="365125"/>
-            <a:ext cx="2628900" cy="5811838"/>
+            <a:off x="9439111" y="798973"/>
+            <a:ext cx="1615742" cy="4659889"/>
           </a:xfrm>
         </p:spPr>
         <p:txBody>
           <a:bodyPr vert="eaVert"/>
-          <a:lstStyle/>
+          <a:lstStyle>
+            <a:lvl1pPr algn="l">
+              <a:defRPr/>
+            </a:lvl1pPr>
+          </a:lstStyle>
           <a:p>
             <a:r>
               <a:rPr lang="hu-HU"/>
               <a:t>Mintacím szerkesztése</a:t>
             </a:r>
-            <a:endParaRPr lang="en-GB"/>
-          </a:p>
-        </p:txBody>
-      </p:sp>
-      <p:sp>
-        <p:nvSpPr>
-          <p:cNvPr id="3" name="Függőleges szöveg helye 2"/>
+            <a:endParaRPr lang="en-US" dirty="0"/>
+          </a:p>
+        </p:txBody>
+      </p:sp>
+      <p:sp>
+        <p:nvSpPr>
+          <p:cNvPr id="3" name="Vertical Text Placeholder 2"/>
           <p:cNvSpPr>
             <a:spLocks noGrp="1"/>
           </p:cNvSpPr>
@@ -543,8 +631,8 @@
         </p:nvSpPr>
         <p:spPr>
           <a:xfrm>
-            <a:off x="838200" y="365125"/>
-            <a:ext cx="7734300" cy="5811838"/>
+            <a:off x="1444672" y="798973"/>
+            <a:ext cx="7828830" cy="4659889"/>
           </a:xfrm>
         </p:spPr>
         <p:txBody>
@@ -584,13 +672,13 @@
               <a:rPr lang="hu-HU"/>
               <a:t>Ötödik szint</a:t>
             </a:r>
-            <a:endParaRPr lang="en-GB"/>
-          </a:p>
-        </p:txBody>
-      </p:sp>
-      <p:sp>
-        <p:nvSpPr>
-          <p:cNvPr id="4" name="Dátum helye 3"/>
+            <a:endParaRPr lang="en-US" dirty="0"/>
+          </a:p>
+        </p:txBody>
+      </p:sp>
+      <p:sp>
+        <p:nvSpPr>
+          <p:cNvPr id="4" name="Date Placeholder 3"/>
           <p:cNvSpPr>
             <a:spLocks noGrp="1"/>
           </p:cNvSpPr>
@@ -605,7 +693,7 @@
           <a:p>
             <a:fld id="{9F4F7D78-CF20-461A-86B4-A4E769077D55}" type="datetimeFigureOut">
               <a:rPr lang="hu-HU" smtClean="0"/>
-              <a:t>2023. 04. 16.</a:t>
+              <a:t>2023. 04. 19.</a:t>
             </a:fld>
             <a:endParaRPr lang="hu-HU"/>
           </a:p>
@@ -613,7 +701,7 @@
       </p:sp>
       <p:sp>
         <p:nvSpPr>
-          <p:cNvPr id="5" name="Élőláb helye 4"/>
+          <p:cNvPr id="5" name="Footer Placeholder 4"/>
           <p:cNvSpPr>
             <a:spLocks noGrp="1"/>
           </p:cNvSpPr>
@@ -632,7 +720,7 @@
       </p:sp>
       <p:sp>
         <p:nvSpPr>
-          <p:cNvPr id="6" name="Dia számának helye 5"/>
+          <p:cNvPr id="6" name="Slide Number Placeholder 5"/>
           <p:cNvSpPr>
             <a:spLocks noGrp="1"/>
           </p:cNvSpPr>
@@ -653,10 +741,41 @@
           </a:p>
         </p:txBody>
       </p:sp>
+      <p:cxnSp>
+        <p:nvCxnSpPr>
+          <p:cNvPr id="15" name="Straight Connector 14"/>
+          <p:cNvCxnSpPr/>
+          <p:nvPr/>
+        </p:nvCxnSpPr>
+        <p:spPr>
+          <a:xfrm>
+            <a:off x="9439111" y="798973"/>
+            <a:ext cx="0" cy="4659889"/>
+          </a:xfrm>
+          <a:prstGeom prst="line">
+            <a:avLst/>
+          </a:prstGeom>
+          <a:ln w="31750"/>
+        </p:spPr>
+        <p:style>
+          <a:lnRef idx="3">
+            <a:schemeClr val="accent1"/>
+          </a:lnRef>
+          <a:fillRef idx="0">
+            <a:schemeClr val="accent1"/>
+          </a:fillRef>
+          <a:effectRef idx="2">
+            <a:schemeClr val="accent1"/>
+          </a:effectRef>
+          <a:fontRef idx="minor">
+            <a:schemeClr val="tx1"/>
+          </a:fontRef>
+        </p:style>
+      </p:cxnSp>
     </p:spTree>
     <p:extLst>
       <p:ext uri="{BB962C8B-B14F-4D97-AF65-F5344CB8AC3E}">
-        <p14:creationId xmlns:p14="http://schemas.microsoft.com/office/powerpoint/2010/main" val="4269688200"/>
+        <p14:creationId xmlns:p14="http://schemas.microsoft.com/office/powerpoint/2010/main" val="1421308519"/>
       </p:ext>
     </p:extLst>
   </p:cSld>
@@ -685,7 +804,7 @@
       </p:grpSpPr>
       <p:sp>
         <p:nvSpPr>
-          <p:cNvPr id="2" name="Cím 1"/>
+          <p:cNvPr id="2" name="Title 1"/>
           <p:cNvSpPr>
             <a:spLocks noGrp="1"/>
           </p:cNvSpPr>
@@ -702,13 +821,13 @@
               <a:rPr lang="hu-HU"/>
               <a:t>Mintacím szerkesztése</a:t>
             </a:r>
-            <a:endParaRPr lang="en-GB"/>
-          </a:p>
-        </p:txBody>
-      </p:sp>
-      <p:sp>
-        <p:nvSpPr>
-          <p:cNvPr id="3" name="Tartalom helye 2"/>
+            <a:endParaRPr lang="en-US" dirty="0"/>
+          </a:p>
+        </p:txBody>
+      </p:sp>
+      <p:sp>
+        <p:nvSpPr>
+          <p:cNvPr id="3" name="Content Placeholder 2"/>
           <p:cNvSpPr>
             <a:spLocks noGrp="1"/>
           </p:cNvSpPr>
@@ -718,7 +837,7 @@
         </p:nvSpPr>
         <p:spPr/>
         <p:txBody>
-          <a:bodyPr/>
+          <a:bodyPr anchor="t"/>
           <a:lstStyle/>
           <a:p>
             <a:pPr lvl="0"/>
@@ -754,13 +873,13 @@
               <a:rPr lang="hu-HU"/>
               <a:t>Ötödik szint</a:t>
             </a:r>
-            <a:endParaRPr lang="en-GB"/>
-          </a:p>
-        </p:txBody>
-      </p:sp>
-      <p:sp>
-        <p:nvSpPr>
-          <p:cNvPr id="4" name="Dátum helye 3"/>
+            <a:endParaRPr lang="en-US" dirty="0"/>
+          </a:p>
+        </p:txBody>
+      </p:sp>
+      <p:sp>
+        <p:nvSpPr>
+          <p:cNvPr id="4" name="Date Placeholder 3"/>
           <p:cNvSpPr>
             <a:spLocks noGrp="1"/>
           </p:cNvSpPr>
@@ -775,7 +894,7 @@
           <a:p>
             <a:fld id="{9F4F7D78-CF20-461A-86B4-A4E769077D55}" type="datetimeFigureOut">
               <a:rPr lang="hu-HU" smtClean="0"/>
-              <a:t>2023. 04. 16.</a:t>
+              <a:t>2023. 04. 19.</a:t>
             </a:fld>
             <a:endParaRPr lang="hu-HU"/>
           </a:p>
@@ -783,7 +902,7 @@
       </p:sp>
       <p:sp>
         <p:nvSpPr>
-          <p:cNvPr id="5" name="Élőláb helye 4"/>
+          <p:cNvPr id="5" name="Footer Placeholder 4"/>
           <p:cNvSpPr>
             <a:spLocks noGrp="1"/>
           </p:cNvSpPr>
@@ -802,7 +921,7 @@
       </p:sp>
       <p:sp>
         <p:nvSpPr>
-          <p:cNvPr id="6" name="Dia számának helye 5"/>
+          <p:cNvPr id="6" name="Slide Number Placeholder 5"/>
           <p:cNvSpPr>
             <a:spLocks noGrp="1"/>
           </p:cNvSpPr>
@@ -823,10 +942,41 @@
           </a:p>
         </p:txBody>
       </p:sp>
+      <p:cxnSp>
+        <p:nvCxnSpPr>
+          <p:cNvPr id="33" name="Straight Connector 32"/>
+          <p:cNvCxnSpPr/>
+          <p:nvPr/>
+        </p:nvCxnSpPr>
+        <p:spPr>
+          <a:xfrm>
+            <a:off x="1453896" y="1847088"/>
+            <a:ext cx="9607522" cy="0"/>
+          </a:xfrm>
+          <a:prstGeom prst="line">
+            <a:avLst/>
+          </a:prstGeom>
+          <a:ln w="31750"/>
+        </p:spPr>
+        <p:style>
+          <a:lnRef idx="3">
+            <a:schemeClr val="accent1"/>
+          </a:lnRef>
+          <a:fillRef idx="0">
+            <a:schemeClr val="accent1"/>
+          </a:fillRef>
+          <a:effectRef idx="2">
+            <a:schemeClr val="accent1"/>
+          </a:effectRef>
+          <a:fontRef idx="minor">
+            <a:schemeClr val="tx1"/>
+          </a:fontRef>
+        </p:style>
+      </p:cxnSp>
     </p:spTree>
     <p:extLst>
       <p:ext uri="{BB962C8B-B14F-4D97-AF65-F5344CB8AC3E}">
-        <p14:creationId xmlns:p14="http://schemas.microsoft.com/office/powerpoint/2010/main" val="2941194354"/>
+        <p14:creationId xmlns:p14="http://schemas.microsoft.com/office/powerpoint/2010/main" val="1307593803"/>
       </p:ext>
     </p:extLst>
   </p:cSld>
@@ -855,7 +1005,7 @@
       </p:grpSpPr>
       <p:sp>
         <p:nvSpPr>
-          <p:cNvPr id="2" name="Cím 1"/>
+          <p:cNvPr id="2" name="Title 1"/>
           <p:cNvSpPr>
             <a:spLocks noGrp="1"/>
           </p:cNvSpPr>
@@ -865,15 +1015,17 @@
         </p:nvSpPr>
         <p:spPr>
           <a:xfrm>
-            <a:off x="831850" y="1709738"/>
-            <a:ext cx="10515600" cy="2852737"/>
-          </a:xfrm>
-        </p:spPr>
-        <p:txBody>
-          <a:bodyPr anchor="b"/>
+            <a:off x="1454239" y="1756130"/>
+            <a:ext cx="8643154" cy="1887950"/>
+          </a:xfrm>
+        </p:spPr>
+        <p:txBody>
+          <a:bodyPr anchor="b">
+            <a:normAutofit/>
+          </a:bodyPr>
           <a:lstStyle>
-            <a:lvl1pPr>
-              <a:defRPr sz="6000"/>
+            <a:lvl1pPr algn="l">
+              <a:defRPr sz="3600"/>
             </a:lvl1pPr>
           </a:lstStyle>
           <a:p>
@@ -881,13 +1033,13 @@
               <a:rPr lang="hu-HU"/>
               <a:t>Mintacím szerkesztése</a:t>
             </a:r>
-            <a:endParaRPr lang="en-GB"/>
-          </a:p>
-        </p:txBody>
-      </p:sp>
-      <p:sp>
-        <p:nvSpPr>
-          <p:cNvPr id="3" name="Szöveg helye 2"/>
+            <a:endParaRPr lang="en-US" dirty="0"/>
+          </a:p>
+        </p:txBody>
+      </p:sp>
+      <p:sp>
+        <p:nvSpPr>
+          <p:cNvPr id="3" name="Text Placeholder 2"/>
           <p:cNvSpPr>
             <a:spLocks noGrp="1"/>
           </p:cNvSpPr>
@@ -897,26 +1049,26 @@
         </p:nvSpPr>
         <p:spPr>
           <a:xfrm>
-            <a:off x="831850" y="4589463"/>
-            <a:ext cx="10515600" cy="1500187"/>
-          </a:xfrm>
-        </p:spPr>
-        <p:txBody>
-          <a:bodyPr/>
+            <a:off x="1454239" y="3806195"/>
+            <a:ext cx="8630446" cy="1012929"/>
+          </a:xfrm>
+        </p:spPr>
+        <p:txBody>
+          <a:bodyPr tIns="91440">
+            <a:normAutofit/>
+          </a:bodyPr>
           <a:lstStyle>
-            <a:lvl1pPr marL="0" indent="0">
-              <a:buNone/>
-              <a:defRPr sz="2400">
+            <a:lvl1pPr marL="0" indent="0" algn="l">
+              <a:buNone/>
+              <a:defRPr sz="1800">
                 <a:solidFill>
-                  <a:schemeClr val="tx1">
-                    <a:tint val="75000"/>
-                  </a:schemeClr>
+                  <a:schemeClr val="tx1"/>
                 </a:solidFill>
               </a:defRPr>
             </a:lvl1pPr>
             <a:lvl2pPr marL="457200" indent="0">
               <a:buNone/>
-              <a:defRPr sz="2000">
+              <a:defRPr sz="1800">
                 <a:solidFill>
                   <a:schemeClr val="tx1">
                     <a:tint val="75000"/>
@@ -1006,7 +1158,7 @@
       </p:sp>
       <p:sp>
         <p:nvSpPr>
-          <p:cNvPr id="4" name="Dátum helye 3"/>
+          <p:cNvPr id="4" name="Date Placeholder 3"/>
           <p:cNvSpPr>
             <a:spLocks noGrp="1"/>
           </p:cNvSpPr>
@@ -1021,7 +1173,7 @@
           <a:p>
             <a:fld id="{9F4F7D78-CF20-461A-86B4-A4E769077D55}" type="datetimeFigureOut">
               <a:rPr lang="hu-HU" smtClean="0"/>
-              <a:t>2023. 04. 16.</a:t>
+              <a:t>2023. 04. 19.</a:t>
             </a:fld>
             <a:endParaRPr lang="hu-HU"/>
           </a:p>
@@ -1029,7 +1181,7 @@
       </p:sp>
       <p:sp>
         <p:nvSpPr>
-          <p:cNvPr id="5" name="Élőláb helye 4"/>
+          <p:cNvPr id="5" name="Footer Placeholder 4"/>
           <p:cNvSpPr>
             <a:spLocks noGrp="1"/>
           </p:cNvSpPr>
@@ -1048,7 +1200,7 @@
       </p:sp>
       <p:sp>
         <p:nvSpPr>
-          <p:cNvPr id="6" name="Dia számának helye 5"/>
+          <p:cNvPr id="6" name="Slide Number Placeholder 5"/>
           <p:cNvSpPr>
             <a:spLocks noGrp="1"/>
           </p:cNvSpPr>
@@ -1069,10 +1221,41 @@
           </a:p>
         </p:txBody>
       </p:sp>
+      <p:cxnSp>
+        <p:nvCxnSpPr>
+          <p:cNvPr id="15" name="Straight Connector 14"/>
+          <p:cNvCxnSpPr/>
+          <p:nvPr/>
+        </p:nvCxnSpPr>
+        <p:spPr>
+          <a:xfrm>
+            <a:off x="1454239" y="3804985"/>
+            <a:ext cx="8630446" cy="0"/>
+          </a:xfrm>
+          <a:prstGeom prst="line">
+            <a:avLst/>
+          </a:prstGeom>
+          <a:ln w="31750"/>
+        </p:spPr>
+        <p:style>
+          <a:lnRef idx="3">
+            <a:schemeClr val="accent1"/>
+          </a:lnRef>
+          <a:fillRef idx="0">
+            <a:schemeClr val="accent1"/>
+          </a:fillRef>
+          <a:effectRef idx="2">
+            <a:schemeClr val="accent1"/>
+          </a:effectRef>
+          <a:fontRef idx="minor">
+            <a:schemeClr val="tx1"/>
+          </a:fontRef>
+        </p:style>
+      </p:cxnSp>
     </p:spTree>
     <p:extLst>
       <p:ext uri="{BB962C8B-B14F-4D97-AF65-F5344CB8AC3E}">
-        <p14:creationId xmlns:p14="http://schemas.microsoft.com/office/powerpoint/2010/main" val="4148618373"/>
+        <p14:creationId xmlns:p14="http://schemas.microsoft.com/office/powerpoint/2010/main" val="3834395398"/>
       </p:ext>
     </p:extLst>
   </p:cSld>
@@ -1101,7 +1284,7 @@
       </p:grpSpPr>
       <p:sp>
         <p:nvSpPr>
-          <p:cNvPr id="2" name="Cím 1"/>
+          <p:cNvPr id="2" name="Title 1"/>
           <p:cNvSpPr>
             <a:spLocks noGrp="1"/>
           </p:cNvSpPr>
@@ -1109,7 +1292,12 @@
             <p:ph type="title"/>
           </p:nvPr>
         </p:nvSpPr>
-        <p:spPr/>
+        <p:spPr>
+          <a:xfrm>
+            <a:off x="1449217" y="804889"/>
+            <a:ext cx="9605635" cy="1059305"/>
+          </a:xfrm>
+        </p:spPr>
         <p:txBody>
           <a:bodyPr/>
           <a:lstStyle/>
@@ -1118,13 +1306,13 @@
               <a:rPr lang="hu-HU"/>
               <a:t>Mintacím szerkesztése</a:t>
             </a:r>
-            <a:endParaRPr lang="en-GB"/>
-          </a:p>
-        </p:txBody>
-      </p:sp>
-      <p:sp>
-        <p:nvSpPr>
-          <p:cNvPr id="3" name="Tartalom helye 2"/>
+            <a:endParaRPr lang="en-US" dirty="0"/>
+          </a:p>
+        </p:txBody>
+      </p:sp>
+      <p:sp>
+        <p:nvSpPr>
+          <p:cNvPr id="3" name="Content Placeholder 2"/>
           <p:cNvSpPr>
             <a:spLocks noGrp="1"/>
           </p:cNvSpPr>
@@ -1134,8 +1322,8 @@
         </p:nvSpPr>
         <p:spPr>
           <a:xfrm>
-            <a:off x="838200" y="1825625"/>
-            <a:ext cx="5181600" cy="4351338"/>
+            <a:off x="1447331" y="2010878"/>
+            <a:ext cx="4645152" cy="3448595"/>
           </a:xfrm>
         </p:spPr>
         <p:txBody>
@@ -1175,13 +1363,13 @@
               <a:rPr lang="hu-HU"/>
               <a:t>Ötödik szint</a:t>
             </a:r>
-            <a:endParaRPr lang="en-GB"/>
-          </a:p>
-        </p:txBody>
-      </p:sp>
-      <p:sp>
-        <p:nvSpPr>
-          <p:cNvPr id="4" name="Tartalom helye 3"/>
+            <a:endParaRPr lang="en-US" dirty="0"/>
+          </a:p>
+        </p:txBody>
+      </p:sp>
+      <p:sp>
+        <p:nvSpPr>
+          <p:cNvPr id="4" name="Content Placeholder 3"/>
           <p:cNvSpPr>
             <a:spLocks noGrp="1"/>
           </p:cNvSpPr>
@@ -1191,8 +1379,8 @@
         </p:nvSpPr>
         <p:spPr>
           <a:xfrm>
-            <a:off x="6172200" y="1825625"/>
-            <a:ext cx="5181600" cy="4351338"/>
+            <a:off x="6413771" y="2017343"/>
+            <a:ext cx="4645152" cy="3441520"/>
           </a:xfrm>
         </p:spPr>
         <p:txBody>
@@ -1232,13 +1420,13 @@
               <a:rPr lang="hu-HU"/>
               <a:t>Ötödik szint</a:t>
             </a:r>
-            <a:endParaRPr lang="en-GB"/>
-          </a:p>
-        </p:txBody>
-      </p:sp>
-      <p:sp>
-        <p:nvSpPr>
-          <p:cNvPr id="5" name="Dátum helye 4"/>
+            <a:endParaRPr lang="en-US" dirty="0"/>
+          </a:p>
+        </p:txBody>
+      </p:sp>
+      <p:sp>
+        <p:nvSpPr>
+          <p:cNvPr id="5" name="Date Placeholder 4"/>
           <p:cNvSpPr>
             <a:spLocks noGrp="1"/>
           </p:cNvSpPr>
@@ -1253,7 +1441,7 @@
           <a:p>
             <a:fld id="{9F4F7D78-CF20-461A-86B4-A4E769077D55}" type="datetimeFigureOut">
               <a:rPr lang="hu-HU" smtClean="0"/>
-              <a:t>2023. 04. 16.</a:t>
+              <a:t>2023. 04. 19.</a:t>
             </a:fld>
             <a:endParaRPr lang="hu-HU"/>
           </a:p>
@@ -1261,7 +1449,7 @@
       </p:sp>
       <p:sp>
         <p:nvSpPr>
-          <p:cNvPr id="6" name="Élőláb helye 5"/>
+          <p:cNvPr id="6" name="Footer Placeholder 5"/>
           <p:cNvSpPr>
             <a:spLocks noGrp="1"/>
           </p:cNvSpPr>
@@ -1280,7 +1468,7 @@
       </p:sp>
       <p:sp>
         <p:nvSpPr>
-          <p:cNvPr id="7" name="Dia számának helye 6"/>
+          <p:cNvPr id="7" name="Slide Number Placeholder 6"/>
           <p:cNvSpPr>
             <a:spLocks noGrp="1"/>
           </p:cNvSpPr>
@@ -1301,10 +1489,41 @@
           </a:p>
         </p:txBody>
       </p:sp>
+      <p:cxnSp>
+        <p:nvCxnSpPr>
+          <p:cNvPr id="35" name="Straight Connector 34"/>
+          <p:cNvCxnSpPr/>
+          <p:nvPr/>
+        </p:nvCxnSpPr>
+        <p:spPr>
+          <a:xfrm>
+            <a:off x="1453896" y="1847088"/>
+            <a:ext cx="9607522" cy="0"/>
+          </a:xfrm>
+          <a:prstGeom prst="line">
+            <a:avLst/>
+          </a:prstGeom>
+          <a:ln w="31750"/>
+        </p:spPr>
+        <p:style>
+          <a:lnRef idx="3">
+            <a:schemeClr val="accent1"/>
+          </a:lnRef>
+          <a:fillRef idx="0">
+            <a:schemeClr val="accent1"/>
+          </a:fillRef>
+          <a:effectRef idx="2">
+            <a:schemeClr val="accent1"/>
+          </a:effectRef>
+          <a:fontRef idx="minor">
+            <a:schemeClr val="tx1"/>
+          </a:fontRef>
+        </p:style>
+      </p:cxnSp>
     </p:spTree>
     <p:extLst>
       <p:ext uri="{BB962C8B-B14F-4D97-AF65-F5344CB8AC3E}">
-        <p14:creationId xmlns:p14="http://schemas.microsoft.com/office/powerpoint/2010/main" val="2795142130"/>
+        <p14:creationId xmlns:p14="http://schemas.microsoft.com/office/powerpoint/2010/main" val="4048375487"/>
       </p:ext>
     </p:extLst>
   </p:cSld>
@@ -1333,7 +1552,7 @@
       </p:grpSpPr>
       <p:sp>
         <p:nvSpPr>
-          <p:cNvPr id="2" name="Cím 1"/>
+          <p:cNvPr id="2" name="Title 1"/>
           <p:cNvSpPr>
             <a:spLocks noGrp="1"/>
           </p:cNvSpPr>
@@ -1343,8 +1562,8 @@
         </p:nvSpPr>
         <p:spPr>
           <a:xfrm>
-            <a:off x="839788" y="365125"/>
-            <a:ext cx="10515600" cy="1325563"/>
+            <a:off x="1447191" y="804163"/>
+            <a:ext cx="9607661" cy="1056319"/>
           </a:xfrm>
         </p:spPr>
         <p:txBody>
@@ -1355,13 +1574,13 @@
               <a:rPr lang="hu-HU"/>
               <a:t>Mintacím szerkesztése</a:t>
             </a:r>
-            <a:endParaRPr lang="en-GB"/>
-          </a:p>
-        </p:txBody>
-      </p:sp>
-      <p:sp>
-        <p:nvSpPr>
-          <p:cNvPr id="3" name="Szöveg helye 2"/>
+            <a:endParaRPr lang="en-US" dirty="0"/>
+          </a:p>
+        </p:txBody>
+      </p:sp>
+      <p:sp>
+        <p:nvSpPr>
+          <p:cNvPr id="3" name="Text Placeholder 2"/>
           <p:cNvSpPr>
             <a:spLocks noGrp="1"/>
           </p:cNvSpPr>
@@ -1371,16 +1590,25 @@
         </p:nvSpPr>
         <p:spPr>
           <a:xfrm>
-            <a:off x="839788" y="1681163"/>
-            <a:ext cx="5157787" cy="823912"/>
-          </a:xfrm>
-        </p:spPr>
-        <p:txBody>
-          <a:bodyPr anchor="b"/>
+            <a:off x="1447191" y="2019549"/>
+            <a:ext cx="4645152" cy="801943"/>
+          </a:xfrm>
+        </p:spPr>
+        <p:txBody>
+          <a:bodyPr anchor="b">
+            <a:normAutofit/>
+          </a:bodyPr>
           <a:lstStyle>
             <a:lvl1pPr marL="0" indent="0">
-              <a:buNone/>
-              <a:defRPr sz="2400" b="1"/>
+              <a:lnSpc>
+                <a:spcPct val="100000"/>
+              </a:lnSpc>
+              <a:buNone/>
+              <a:defRPr sz="2200" b="0" cap="all" baseline="0">
+                <a:solidFill>
+                  <a:schemeClr val="accent1"/>
+                </a:solidFill>
+              </a:defRPr>
             </a:lvl1pPr>
             <a:lvl2pPr marL="457200" indent="0">
               <a:buNone/>
@@ -1426,7 +1654,7 @@
       </p:sp>
       <p:sp>
         <p:nvSpPr>
-          <p:cNvPr id="4" name="Tartalom helye 3"/>
+          <p:cNvPr id="4" name="Content Placeholder 3"/>
           <p:cNvSpPr>
             <a:spLocks noGrp="1"/>
           </p:cNvSpPr>
@@ -1436,8 +1664,8 @@
         </p:nvSpPr>
         <p:spPr>
           <a:xfrm>
-            <a:off x="839788" y="2505075"/>
-            <a:ext cx="5157787" cy="3684588"/>
+            <a:off x="1447191" y="2824269"/>
+            <a:ext cx="4645152" cy="2644457"/>
           </a:xfrm>
         </p:spPr>
         <p:txBody>
@@ -1477,13 +1705,13 @@
               <a:rPr lang="hu-HU"/>
               <a:t>Ötödik szint</a:t>
             </a:r>
-            <a:endParaRPr lang="en-GB"/>
-          </a:p>
-        </p:txBody>
-      </p:sp>
-      <p:sp>
-        <p:nvSpPr>
-          <p:cNvPr id="5" name="Szöveg helye 4"/>
+            <a:endParaRPr lang="en-US" dirty="0"/>
+          </a:p>
+        </p:txBody>
+      </p:sp>
+      <p:sp>
+        <p:nvSpPr>
+          <p:cNvPr id="5" name="Text Placeholder 4"/>
           <p:cNvSpPr>
             <a:spLocks noGrp="1"/>
           </p:cNvSpPr>
@@ -1493,16 +1721,25 @@
         </p:nvSpPr>
         <p:spPr>
           <a:xfrm>
-            <a:off x="6172200" y="1681163"/>
-            <a:ext cx="5183188" cy="823912"/>
-          </a:xfrm>
-        </p:spPr>
-        <p:txBody>
-          <a:bodyPr anchor="b"/>
+            <a:off x="6412362" y="2023003"/>
+            <a:ext cx="4645152" cy="802237"/>
+          </a:xfrm>
+        </p:spPr>
+        <p:txBody>
+          <a:bodyPr anchor="b">
+            <a:normAutofit/>
+          </a:bodyPr>
           <a:lstStyle>
             <a:lvl1pPr marL="0" indent="0">
-              <a:buNone/>
-              <a:defRPr sz="2400" b="1"/>
+              <a:lnSpc>
+                <a:spcPct val="100000"/>
+              </a:lnSpc>
+              <a:buNone/>
+              <a:defRPr sz="2200" b="0" cap="all" baseline="0">
+                <a:solidFill>
+                  <a:schemeClr val="accent1"/>
+                </a:solidFill>
+              </a:defRPr>
             </a:lvl1pPr>
             <a:lvl2pPr marL="457200" indent="0">
               <a:buNone/>
@@ -1548,7 +1785,7 @@
       </p:sp>
       <p:sp>
         <p:nvSpPr>
-          <p:cNvPr id="6" name="Tartalom helye 5"/>
+          <p:cNvPr id="6" name="Content Placeholder 5"/>
           <p:cNvSpPr>
             <a:spLocks noGrp="1"/>
           </p:cNvSpPr>
@@ -1558,8 +1795,8 @@
         </p:nvSpPr>
         <p:spPr>
           <a:xfrm>
-            <a:off x="6172200" y="2505075"/>
-            <a:ext cx="5183188" cy="3684588"/>
+            <a:off x="6412362" y="2821491"/>
+            <a:ext cx="4645152" cy="2637371"/>
           </a:xfrm>
         </p:spPr>
         <p:txBody>
@@ -1599,13 +1836,13 @@
               <a:rPr lang="hu-HU"/>
               <a:t>Ötödik szint</a:t>
             </a:r>
-            <a:endParaRPr lang="en-GB"/>
-          </a:p>
-        </p:txBody>
-      </p:sp>
-      <p:sp>
-        <p:nvSpPr>
-          <p:cNvPr id="7" name="Dátum helye 6"/>
+            <a:endParaRPr lang="en-US" dirty="0"/>
+          </a:p>
+        </p:txBody>
+      </p:sp>
+      <p:sp>
+        <p:nvSpPr>
+          <p:cNvPr id="7" name="Date Placeholder 6"/>
           <p:cNvSpPr>
             <a:spLocks noGrp="1"/>
           </p:cNvSpPr>
@@ -1620,7 +1857,7 @@
           <a:p>
             <a:fld id="{9F4F7D78-CF20-461A-86B4-A4E769077D55}" type="datetimeFigureOut">
               <a:rPr lang="hu-HU" smtClean="0"/>
-              <a:t>2023. 04. 16.</a:t>
+              <a:t>2023. 04. 19.</a:t>
             </a:fld>
             <a:endParaRPr lang="hu-HU"/>
           </a:p>
@@ -1628,7 +1865,7 @@
       </p:sp>
       <p:sp>
         <p:nvSpPr>
-          <p:cNvPr id="8" name="Élőláb helye 7"/>
+          <p:cNvPr id="8" name="Footer Placeholder 7"/>
           <p:cNvSpPr>
             <a:spLocks noGrp="1"/>
           </p:cNvSpPr>
@@ -1647,7 +1884,7 @@
       </p:sp>
       <p:sp>
         <p:nvSpPr>
-          <p:cNvPr id="9" name="Dia számának helye 8"/>
+          <p:cNvPr id="9" name="Slide Number Placeholder 8"/>
           <p:cNvSpPr>
             <a:spLocks noGrp="1"/>
           </p:cNvSpPr>
@@ -1668,10 +1905,41 @@
           </a:p>
         </p:txBody>
       </p:sp>
+      <p:cxnSp>
+        <p:nvCxnSpPr>
+          <p:cNvPr id="29" name="Straight Connector 28"/>
+          <p:cNvCxnSpPr/>
+          <p:nvPr/>
+        </p:nvCxnSpPr>
+        <p:spPr>
+          <a:xfrm>
+            <a:off x="1453896" y="1847088"/>
+            <a:ext cx="9607522" cy="0"/>
+          </a:xfrm>
+          <a:prstGeom prst="line">
+            <a:avLst/>
+          </a:prstGeom>
+          <a:ln w="31750"/>
+        </p:spPr>
+        <p:style>
+          <a:lnRef idx="3">
+            <a:schemeClr val="accent1"/>
+          </a:lnRef>
+          <a:fillRef idx="0">
+            <a:schemeClr val="accent1"/>
+          </a:fillRef>
+          <a:effectRef idx="2">
+            <a:schemeClr val="accent1"/>
+          </a:effectRef>
+          <a:fontRef idx="minor">
+            <a:schemeClr val="tx1"/>
+          </a:fontRef>
+        </p:style>
+      </p:cxnSp>
     </p:spTree>
     <p:extLst>
       <p:ext uri="{BB962C8B-B14F-4D97-AF65-F5344CB8AC3E}">
-        <p14:creationId xmlns:p14="http://schemas.microsoft.com/office/powerpoint/2010/main" val="3937077056"/>
+        <p14:creationId xmlns:p14="http://schemas.microsoft.com/office/powerpoint/2010/main" val="2020509476"/>
       </p:ext>
     </p:extLst>
   </p:cSld>
@@ -1700,7 +1968,7 @@
       </p:grpSpPr>
       <p:sp>
         <p:nvSpPr>
-          <p:cNvPr id="2" name="Cím 1"/>
+          <p:cNvPr id="2" name="Title 1"/>
           <p:cNvSpPr>
             <a:spLocks noGrp="1"/>
           </p:cNvSpPr>
@@ -1717,13 +1985,13 @@
               <a:rPr lang="hu-HU"/>
               <a:t>Mintacím szerkesztése</a:t>
             </a:r>
-            <a:endParaRPr lang="en-GB"/>
-          </a:p>
-        </p:txBody>
-      </p:sp>
-      <p:sp>
-        <p:nvSpPr>
-          <p:cNvPr id="3" name="Dátum helye 2"/>
+            <a:endParaRPr lang="en-US" dirty="0"/>
+          </a:p>
+        </p:txBody>
+      </p:sp>
+      <p:sp>
+        <p:nvSpPr>
+          <p:cNvPr id="3" name="Date Placeholder 2"/>
           <p:cNvSpPr>
             <a:spLocks noGrp="1"/>
           </p:cNvSpPr>
@@ -1738,7 +2006,7 @@
           <a:p>
             <a:fld id="{9F4F7D78-CF20-461A-86B4-A4E769077D55}" type="datetimeFigureOut">
               <a:rPr lang="hu-HU" smtClean="0"/>
-              <a:t>2023. 04. 16.</a:t>
+              <a:t>2023. 04. 19.</a:t>
             </a:fld>
             <a:endParaRPr lang="hu-HU"/>
           </a:p>
@@ -1746,7 +2014,7 @@
       </p:sp>
       <p:sp>
         <p:nvSpPr>
-          <p:cNvPr id="4" name="Élőláb helye 3"/>
+          <p:cNvPr id="4" name="Footer Placeholder 3"/>
           <p:cNvSpPr>
             <a:spLocks noGrp="1"/>
           </p:cNvSpPr>
@@ -1765,7 +2033,7 @@
       </p:sp>
       <p:sp>
         <p:nvSpPr>
-          <p:cNvPr id="5" name="Dia számának helye 4"/>
+          <p:cNvPr id="5" name="Slide Number Placeholder 4"/>
           <p:cNvSpPr>
             <a:spLocks noGrp="1"/>
           </p:cNvSpPr>
@@ -1786,10 +2054,41 @@
           </a:p>
         </p:txBody>
       </p:sp>
+      <p:cxnSp>
+        <p:nvCxnSpPr>
+          <p:cNvPr id="25" name="Straight Connector 24"/>
+          <p:cNvCxnSpPr/>
+          <p:nvPr/>
+        </p:nvCxnSpPr>
+        <p:spPr>
+          <a:xfrm>
+            <a:off x="1453896" y="1847088"/>
+            <a:ext cx="9607522" cy="0"/>
+          </a:xfrm>
+          <a:prstGeom prst="line">
+            <a:avLst/>
+          </a:prstGeom>
+          <a:ln w="31750"/>
+        </p:spPr>
+        <p:style>
+          <a:lnRef idx="3">
+            <a:schemeClr val="accent1"/>
+          </a:lnRef>
+          <a:fillRef idx="0">
+            <a:schemeClr val="accent1"/>
+          </a:fillRef>
+          <a:effectRef idx="2">
+            <a:schemeClr val="accent1"/>
+          </a:effectRef>
+          <a:fontRef idx="minor">
+            <a:schemeClr val="tx1"/>
+          </a:fontRef>
+        </p:style>
+      </p:cxnSp>
     </p:spTree>
     <p:extLst>
       <p:ext uri="{BB962C8B-B14F-4D97-AF65-F5344CB8AC3E}">
-        <p14:creationId xmlns:p14="http://schemas.microsoft.com/office/powerpoint/2010/main" val="3049243852"/>
+        <p14:creationId xmlns:p14="http://schemas.microsoft.com/office/powerpoint/2010/main" val="1931525840"/>
       </p:ext>
     </p:extLst>
   </p:cSld>
@@ -1818,7 +2117,7 @@
       </p:grpSpPr>
       <p:sp>
         <p:nvSpPr>
-          <p:cNvPr id="2" name="Dátum helye 1"/>
+          <p:cNvPr id="2" name="Date Placeholder 1"/>
           <p:cNvSpPr>
             <a:spLocks noGrp="1"/>
           </p:cNvSpPr>
@@ -1833,7 +2132,7 @@
           <a:p>
             <a:fld id="{9F4F7D78-CF20-461A-86B4-A4E769077D55}" type="datetimeFigureOut">
               <a:rPr lang="hu-HU" smtClean="0"/>
-              <a:t>2023. 04. 16.</a:t>
+              <a:t>2023. 04. 19.</a:t>
             </a:fld>
             <a:endParaRPr lang="hu-HU"/>
           </a:p>
@@ -1841,7 +2140,7 @@
       </p:sp>
       <p:sp>
         <p:nvSpPr>
-          <p:cNvPr id="3" name="Élőláb helye 2"/>
+          <p:cNvPr id="3" name="Footer Placeholder 2"/>
           <p:cNvSpPr>
             <a:spLocks noGrp="1"/>
           </p:cNvSpPr>
@@ -1860,7 +2159,7 @@
       </p:sp>
       <p:sp>
         <p:nvSpPr>
-          <p:cNvPr id="4" name="Dia számának helye 3"/>
+          <p:cNvPr id="4" name="Slide Number Placeholder 3"/>
           <p:cNvSpPr>
             <a:spLocks noGrp="1"/>
           </p:cNvSpPr>
@@ -1884,7 +2183,7 @@
     </p:spTree>
     <p:extLst>
       <p:ext uri="{BB962C8B-B14F-4D97-AF65-F5344CB8AC3E}">
-        <p14:creationId xmlns:p14="http://schemas.microsoft.com/office/powerpoint/2010/main" val="2312571108"/>
+        <p14:creationId xmlns:p14="http://schemas.microsoft.com/office/powerpoint/2010/main" val="2381579873"/>
       </p:ext>
     </p:extLst>
   </p:cSld>
@@ -1913,7 +2212,7 @@
       </p:grpSpPr>
       <p:sp>
         <p:nvSpPr>
-          <p:cNvPr id="2" name="Cím 1"/>
+          <p:cNvPr id="2" name="Title 1"/>
           <p:cNvSpPr>
             <a:spLocks noGrp="1"/>
           </p:cNvSpPr>
@@ -1923,15 +2222,17 @@
         </p:nvSpPr>
         <p:spPr>
           <a:xfrm>
-            <a:off x="839788" y="457200"/>
-            <a:ext cx="3932237" cy="1600200"/>
-          </a:xfrm>
-        </p:spPr>
-        <p:txBody>
-          <a:bodyPr anchor="b"/>
+            <a:off x="1444671" y="798973"/>
+            <a:ext cx="3273099" cy="2247117"/>
+          </a:xfrm>
+        </p:spPr>
+        <p:txBody>
+          <a:bodyPr anchor="b">
+            <a:normAutofit/>
+          </a:bodyPr>
           <a:lstStyle>
-            <a:lvl1pPr>
-              <a:defRPr sz="3200"/>
+            <a:lvl1pPr algn="l">
+              <a:defRPr sz="2400"/>
             </a:lvl1pPr>
           </a:lstStyle>
           <a:p>
@@ -1939,13 +2240,13 @@
               <a:rPr lang="hu-HU"/>
               <a:t>Mintacím szerkesztése</a:t>
             </a:r>
-            <a:endParaRPr lang="en-GB"/>
-          </a:p>
-        </p:txBody>
-      </p:sp>
-      <p:sp>
-        <p:nvSpPr>
-          <p:cNvPr id="3" name="Tartalom helye 2"/>
+            <a:endParaRPr lang="en-US" dirty="0"/>
+          </a:p>
+        </p:txBody>
+      </p:sp>
+      <p:sp>
+        <p:nvSpPr>
+          <p:cNvPr id="3" name="Content Placeholder 2"/>
           <p:cNvSpPr>
             <a:spLocks noGrp="1"/>
           </p:cNvSpPr>
@@ -1955,99 +2256,71 @@
         </p:nvSpPr>
         <p:spPr>
           <a:xfrm>
-            <a:off x="5183188" y="987425"/>
-            <a:ext cx="6172200" cy="4873625"/>
+            <a:off x="5043714" y="798974"/>
+            <a:ext cx="6012470" cy="4658826"/>
+          </a:xfrm>
+        </p:spPr>
+        <p:txBody>
+          <a:bodyPr anchor="ctr"/>
+          <a:lstStyle/>
+          <a:p>
+            <a:pPr lvl="0"/>
+            <a:r>
+              <a:rPr lang="hu-HU"/>
+              <a:t>Mintaszöveg szerkesztése</a:t>
+            </a:r>
+          </a:p>
+          <a:p>
+            <a:pPr lvl="1"/>
+            <a:r>
+              <a:rPr lang="hu-HU"/>
+              <a:t>Második szint</a:t>
+            </a:r>
+          </a:p>
+          <a:p>
+            <a:pPr lvl="2"/>
+            <a:r>
+              <a:rPr lang="hu-HU"/>
+              <a:t>Harmadik szint</a:t>
+            </a:r>
+          </a:p>
+          <a:p>
+            <a:pPr lvl="3"/>
+            <a:r>
+              <a:rPr lang="hu-HU"/>
+              <a:t>Negyedik szint</a:t>
+            </a:r>
+          </a:p>
+          <a:p>
+            <a:pPr lvl="4"/>
+            <a:r>
+              <a:rPr lang="hu-HU"/>
+              <a:t>Ötödik szint</a:t>
+            </a:r>
+            <a:endParaRPr lang="en-US" dirty="0"/>
+          </a:p>
+        </p:txBody>
+      </p:sp>
+      <p:sp>
+        <p:nvSpPr>
+          <p:cNvPr id="4" name="Text Placeholder 3"/>
+          <p:cNvSpPr>
+            <a:spLocks noGrp="1"/>
+          </p:cNvSpPr>
+          <p:nvPr>
+            <p:ph type="body" sz="half" idx="2"/>
+          </p:nvPr>
+        </p:nvSpPr>
+        <p:spPr>
+          <a:xfrm>
+            <a:off x="1444671" y="3205491"/>
+            <a:ext cx="3275013" cy="2248181"/>
           </a:xfrm>
         </p:spPr>
         <p:txBody>
           <a:bodyPr/>
           <a:lstStyle>
-            <a:lvl1pPr>
-              <a:defRPr sz="3200"/>
-            </a:lvl1pPr>
-            <a:lvl2pPr>
-              <a:defRPr sz="2800"/>
-            </a:lvl2pPr>
-            <a:lvl3pPr>
-              <a:defRPr sz="2400"/>
-            </a:lvl3pPr>
-            <a:lvl4pPr>
-              <a:defRPr sz="2000"/>
-            </a:lvl4pPr>
-            <a:lvl5pPr>
-              <a:defRPr sz="2000"/>
-            </a:lvl5pPr>
-            <a:lvl6pPr>
-              <a:defRPr sz="2000"/>
-            </a:lvl6pPr>
-            <a:lvl7pPr>
-              <a:defRPr sz="2000"/>
-            </a:lvl7pPr>
-            <a:lvl8pPr>
-              <a:defRPr sz="2000"/>
-            </a:lvl8pPr>
-            <a:lvl9pPr>
-              <a:defRPr sz="2000"/>
-            </a:lvl9pPr>
-          </a:lstStyle>
-          <a:p>
-            <a:pPr lvl="0"/>
-            <a:r>
-              <a:rPr lang="hu-HU"/>
-              <a:t>Mintaszöveg szerkesztése</a:t>
-            </a:r>
-          </a:p>
-          <a:p>
-            <a:pPr lvl="1"/>
-            <a:r>
-              <a:rPr lang="hu-HU"/>
-              <a:t>Második szint</a:t>
-            </a:r>
-          </a:p>
-          <a:p>
-            <a:pPr lvl="2"/>
-            <a:r>
-              <a:rPr lang="hu-HU"/>
-              <a:t>Harmadik szint</a:t>
-            </a:r>
-          </a:p>
-          <a:p>
-            <a:pPr lvl="3"/>
-            <a:r>
-              <a:rPr lang="hu-HU"/>
-              <a:t>Negyedik szint</a:t>
-            </a:r>
-          </a:p>
-          <a:p>
-            <a:pPr lvl="4"/>
-            <a:r>
-              <a:rPr lang="hu-HU"/>
-              <a:t>Ötödik szint</a:t>
-            </a:r>
-            <a:endParaRPr lang="en-GB"/>
-          </a:p>
-        </p:txBody>
-      </p:sp>
-      <p:sp>
-        <p:nvSpPr>
-          <p:cNvPr id="4" name="Szöveg helye 3"/>
-          <p:cNvSpPr>
-            <a:spLocks noGrp="1"/>
-          </p:cNvSpPr>
-          <p:nvPr>
-            <p:ph type="body" sz="half" idx="2"/>
-          </p:nvPr>
-        </p:nvSpPr>
-        <p:spPr>
-          <a:xfrm>
-            <a:off x="839788" y="2057400"/>
-            <a:ext cx="3932237" cy="3811588"/>
-          </a:xfrm>
-        </p:spPr>
-        <p:txBody>
-          <a:bodyPr/>
-          <a:lstStyle>
-            <a:lvl1pPr marL="0" indent="0">
+            <a:lvl1pPr marL="0" indent="0" algn="l">
               <a:buNone/>
               <a:defRPr sz="1600"/>
             </a:lvl1pPr>
@@ -2095,7 +2368,7 @@
       </p:sp>
       <p:sp>
         <p:nvSpPr>
-          <p:cNvPr id="5" name="Dátum helye 4"/>
+          <p:cNvPr id="5" name="Date Placeholder 4"/>
           <p:cNvSpPr>
             <a:spLocks noGrp="1"/>
           </p:cNvSpPr>
@@ -2110,7 +2383,7 @@
           <a:p>
             <a:fld id="{9F4F7D78-CF20-461A-86B4-A4E769077D55}" type="datetimeFigureOut">
               <a:rPr lang="hu-HU" smtClean="0"/>
-              <a:t>2023. 04. 16.</a:t>
+              <a:t>2023. 04. 19.</a:t>
             </a:fld>
             <a:endParaRPr lang="hu-HU"/>
           </a:p>
@@ -2118,7 +2391,7 @@
       </p:sp>
       <p:sp>
         <p:nvSpPr>
-          <p:cNvPr id="6" name="Élőláb helye 5"/>
+          <p:cNvPr id="6" name="Footer Placeholder 5"/>
           <p:cNvSpPr>
             <a:spLocks noGrp="1"/>
           </p:cNvSpPr>
@@ -2137,7 +2410,7 @@
       </p:sp>
       <p:sp>
         <p:nvSpPr>
-          <p:cNvPr id="7" name="Dia számának helye 6"/>
+          <p:cNvPr id="7" name="Slide Number Placeholder 6"/>
           <p:cNvSpPr>
             <a:spLocks noGrp="1"/>
           </p:cNvSpPr>
@@ -2158,10 +2431,41 @@
           </a:p>
         </p:txBody>
       </p:sp>
+      <p:cxnSp>
+        <p:nvCxnSpPr>
+          <p:cNvPr id="17" name="Straight Connector 16"/>
+          <p:cNvCxnSpPr/>
+          <p:nvPr/>
+        </p:nvCxnSpPr>
+        <p:spPr>
+          <a:xfrm>
+            <a:off x="1448280" y="3205491"/>
+            <a:ext cx="3269490" cy="0"/>
+          </a:xfrm>
+          <a:prstGeom prst="line">
+            <a:avLst/>
+          </a:prstGeom>
+          <a:ln w="31750"/>
+        </p:spPr>
+        <p:style>
+          <a:lnRef idx="3">
+            <a:schemeClr val="accent1"/>
+          </a:lnRef>
+          <a:fillRef idx="0">
+            <a:schemeClr val="accent1"/>
+          </a:fillRef>
+          <a:effectRef idx="2">
+            <a:schemeClr val="accent1"/>
+          </a:effectRef>
+          <a:fontRef idx="minor">
+            <a:schemeClr val="tx1"/>
+          </a:fontRef>
+        </p:style>
+      </p:cxnSp>
     </p:spTree>
     <p:extLst>
       <p:ext uri="{BB962C8B-B14F-4D97-AF65-F5344CB8AC3E}">
-        <p14:creationId xmlns:p14="http://schemas.microsoft.com/office/powerpoint/2010/main" val="2007388138"/>
+        <p14:creationId xmlns:p14="http://schemas.microsoft.com/office/powerpoint/2010/main" val="3373426185"/>
       </p:ext>
     </p:extLst>
   </p:cSld>
@@ -2188,9 +2492,143 @@
           <a:chExt cx="0" cy="0"/>
         </a:xfrm>
       </p:grpSpPr>
-      <p:sp>
-        <p:nvSpPr>
-          <p:cNvPr id="2" name="Cím 1"/>
+      <p:grpSp>
+        <p:nvGrpSpPr>
+          <p:cNvPr id="8" name="Group 7"/>
+          <p:cNvGrpSpPr/>
+          <p:nvPr/>
+        </p:nvGrpSpPr>
+        <p:grpSpPr>
+          <a:xfrm>
+            <a:off x="7477387" y="482170"/>
+            <a:ext cx="4074533" cy="5149101"/>
+            <a:chOff x="7477387" y="482170"/>
+            <a:chExt cx="4074533" cy="5149101"/>
+          </a:xfrm>
+        </p:grpSpPr>
+        <p:sp>
+          <p:nvSpPr>
+            <p:cNvPr id="18" name="Rectangle 17"/>
+            <p:cNvSpPr/>
+            <p:nvPr/>
+          </p:nvSpPr>
+          <p:spPr bwMode="black">
+            <a:xfrm>
+              <a:off x="7477387" y="482170"/>
+              <a:ext cx="4074533" cy="5149101"/>
+            </a:xfrm>
+            <a:prstGeom prst="rect">
+              <a:avLst/>
+            </a:prstGeom>
+            <a:gradFill>
+              <a:gsLst>
+                <a:gs pos="0">
+                  <a:srgbClr val="000001"/>
+                </a:gs>
+                <a:gs pos="100000">
+                  <a:srgbClr val="191919"/>
+                </a:gs>
+              </a:gsLst>
+            </a:gradFill>
+            <a:ln w="76200" cmpd="sng">
+              <a:noFill/>
+              <a:miter lim="800000"/>
+            </a:ln>
+            <a:effectLst>
+              <a:outerShdw blurRad="127000" dist="228600" dir="4740000" sx="98000" sy="98000" algn="tl" rotWithShape="0">
+                <a:srgbClr val="000000">
+                  <a:alpha val="34000"/>
+                </a:srgbClr>
+              </a:outerShdw>
+            </a:effectLst>
+            <a:scene3d>
+              <a:camera prst="orthographicFront"/>
+              <a:lightRig rig="threePt" dir="t"/>
+            </a:scene3d>
+            <a:sp3d>
+              <a:bevelT w="152400" h="50800" prst="softRound"/>
+            </a:sp3d>
+          </p:spPr>
+          <p:style>
+            <a:lnRef idx="1">
+              <a:schemeClr val="accent1"/>
+            </a:lnRef>
+            <a:fillRef idx="3">
+              <a:schemeClr val="accent1"/>
+            </a:fillRef>
+            <a:effectRef idx="2">
+              <a:schemeClr val="accent1"/>
+            </a:effectRef>
+            <a:fontRef idx="minor">
+              <a:schemeClr val="lt1"/>
+            </a:fontRef>
+          </p:style>
+        </p:sp>
+        <p:sp>
+          <p:nvSpPr>
+            <p:cNvPr id="19" name="Rectangle 18"/>
+            <p:cNvSpPr/>
+            <p:nvPr/>
+          </p:nvSpPr>
+          <p:spPr bwMode="blackWhite">
+            <a:xfrm>
+              <a:off x="7790446" y="812506"/>
+              <a:ext cx="3450289" cy="4466452"/>
+            </a:xfrm>
+            <a:prstGeom prst="rect">
+              <a:avLst/>
+            </a:prstGeom>
+            <a:gradFill>
+              <a:gsLst>
+                <a:gs pos="0">
+                  <a:srgbClr val="DADADA"/>
+                </a:gs>
+                <a:gs pos="100000">
+                  <a:srgbClr val="FFFFFE"/>
+                </a:gs>
+              </a:gsLst>
+              <a:lin ang="16200000" scaled="0"/>
+            </a:gradFill>
+            <a:ln w="50800" cmpd="sng">
+              <a:solidFill>
+                <a:srgbClr val="191919"/>
+              </a:solidFill>
+              <a:miter lim="800000"/>
+            </a:ln>
+            <a:effectLst>
+              <a:innerShdw blurRad="63500" dist="88900" dir="14100000">
+                <a:srgbClr val="000000">
+                  <a:alpha val="30000"/>
+                </a:srgbClr>
+              </a:innerShdw>
+            </a:effectLst>
+            <a:scene3d>
+              <a:camera prst="orthographicFront"/>
+              <a:lightRig rig="threePt" dir="t"/>
+            </a:scene3d>
+            <a:sp3d>
+              <a:bevelT prst="relaxedInset"/>
+            </a:sp3d>
+          </p:spPr>
+          <p:style>
+            <a:lnRef idx="1">
+              <a:schemeClr val="accent1"/>
+            </a:lnRef>
+            <a:fillRef idx="3">
+              <a:schemeClr val="accent1"/>
+            </a:fillRef>
+            <a:effectRef idx="2">
+              <a:schemeClr val="accent1"/>
+            </a:effectRef>
+            <a:fontRef idx="minor">
+              <a:schemeClr val="lt1"/>
+            </a:fontRef>
+          </p:style>
+        </p:sp>
+      </p:grpSp>
+      <p:sp>
+        <p:nvSpPr>
+          <p:cNvPr id="2" name="Title 1"/>
           <p:cNvSpPr>
             <a:spLocks noGrp="1"/>
           </p:cNvSpPr>
@@ -2200,12 +2638,14 @@
         </p:nvSpPr>
         <p:spPr>
           <a:xfrm>
-            <a:off x="839788" y="457200"/>
-            <a:ext cx="3932237" cy="1600200"/>
-          </a:xfrm>
-        </p:spPr>
-        <p:txBody>
-          <a:bodyPr anchor="b"/>
+            <a:off x="1451206" y="1129513"/>
+            <a:ext cx="5532328" cy="1830584"/>
+          </a:xfrm>
+        </p:spPr>
+        <p:txBody>
+          <a:bodyPr anchor="b">
+            <a:normAutofit/>
+          </a:bodyPr>
           <a:lstStyle>
             <a:lvl1pPr>
               <a:defRPr sz="3200"/>
@@ -2216,15 +2656,15 @@
               <a:rPr lang="hu-HU"/>
               <a:t>Mintacím szerkesztése</a:t>
             </a:r>
-            <a:endParaRPr lang="en-GB"/>
-          </a:p>
-        </p:txBody>
-      </p:sp>
-      <p:sp>
-        <p:nvSpPr>
-          <p:cNvPr id="3" name="Kép helye 2"/>
-          <p:cNvSpPr>
-            <a:spLocks noGrp="1"/>
+            <a:endParaRPr lang="en-US" dirty="0"/>
+          </a:p>
+        </p:txBody>
+      </p:sp>
+      <p:sp>
+        <p:nvSpPr>
+          <p:cNvPr id="3" name="Picture Placeholder 2"/>
+          <p:cNvSpPr>
+            <a:spLocks noGrp="1" noChangeAspect="1"/>
           </p:cNvSpPr>
           <p:nvPr>
             <p:ph type="pic" idx="1"/>
@@ -2232,14 +2672,24 @@
         </p:nvSpPr>
         <p:spPr>
           <a:xfrm>
-            <a:off x="5183188" y="987425"/>
-            <a:ext cx="6172200" cy="4873625"/>
-          </a:xfrm>
-        </p:spPr>
-        <p:txBody>
-          <a:bodyPr/>
+            <a:off x="8124389" y="1122542"/>
+            <a:ext cx="2791171" cy="3866327"/>
+          </a:xfrm>
+          <a:solidFill>
+            <a:schemeClr val="bg1">
+              <a:lumMod val="85000"/>
+            </a:schemeClr>
+          </a:solidFill>
+          <a:ln w="9525" cap="sq">
+            <a:noFill/>
+            <a:miter lim="800000"/>
+          </a:ln>
+          <a:effectLst/>
+        </p:spPr>
+        <p:txBody>
+          <a:bodyPr anchor="t"/>
           <a:lstStyle>
-            <a:lvl1pPr marL="0" indent="0">
+            <a:lvl1pPr marL="0" indent="0" algn="ctr">
               <a:buNone/>
               <a:defRPr sz="3200"/>
             </a:lvl1pPr>
@@ -2277,13 +2727,17 @@
             </a:lvl9pPr>
           </a:lstStyle>
           <a:p>
-            <a:endParaRPr lang="en-GB"/>
-          </a:p>
-        </p:txBody>
-      </p:sp>
-      <p:sp>
-        <p:nvSpPr>
-          <p:cNvPr id="4" name="Szöveg helye 3"/>
+            <a:r>
+              <a:rPr lang="hu-HU"/>
+              <a:t>Kép beszúrásához kattintson az ikonra</a:t>
+            </a:r>
+            <a:endParaRPr lang="en-US" dirty="0"/>
+          </a:p>
+        </p:txBody>
+      </p:sp>
+      <p:sp>
+        <p:nvSpPr>
+          <p:cNvPr id="4" name="Text Placeholder 3"/>
           <p:cNvSpPr>
             <a:spLocks noGrp="1"/>
           </p:cNvSpPr>
@@ -2293,16 +2747,18 @@
         </p:nvSpPr>
         <p:spPr>
           <a:xfrm>
-            <a:off x="839788" y="2057400"/>
-            <a:ext cx="3932237" cy="3811588"/>
-          </a:xfrm>
-        </p:spPr>
-        <p:txBody>
-          <a:bodyPr/>
+            <a:off x="1450329" y="3145992"/>
+            <a:ext cx="5524404" cy="2003742"/>
+          </a:xfrm>
+        </p:spPr>
+        <p:txBody>
+          <a:bodyPr>
+            <a:normAutofit/>
+          </a:bodyPr>
           <a:lstStyle>
-            <a:lvl1pPr marL="0" indent="0">
-              <a:buNone/>
-              <a:defRPr sz="1600"/>
+            <a:lvl1pPr marL="0" indent="0" algn="l">
+              <a:buNone/>
+              <a:defRPr sz="1800"/>
             </a:lvl1pPr>
             <a:lvl2pPr marL="457200" indent="0">
               <a:buNone/>
@@ -2348,7 +2804,7 @@
       </p:sp>
       <p:sp>
         <p:nvSpPr>
-          <p:cNvPr id="5" name="Dátum helye 4"/>
+          <p:cNvPr id="5" name="Date Placeholder 4"/>
           <p:cNvSpPr>
             <a:spLocks noGrp="1"/>
           </p:cNvSpPr>
@@ -2356,14 +2812,23 @@
             <p:ph type="dt" sz="half" idx="10"/>
           </p:nvPr>
         </p:nvSpPr>
-        <p:spPr/>
+        <p:spPr>
+          <a:xfrm>
+            <a:off x="1447382" y="5469856"/>
+            <a:ext cx="5527351" cy="320123"/>
+          </a:xfrm>
+        </p:spPr>
         <p:txBody>
           <a:bodyPr/>
-          <a:lstStyle/>
+          <a:lstStyle>
+            <a:lvl1pPr algn="l">
+              <a:defRPr/>
+            </a:lvl1pPr>
+          </a:lstStyle>
           <a:p>
             <a:fld id="{9F4F7D78-CF20-461A-86B4-A4E769077D55}" type="datetimeFigureOut">
               <a:rPr lang="hu-HU" smtClean="0"/>
-              <a:t>2023. 04. 16.</a:t>
+              <a:t>2023. 04. 19.</a:t>
             </a:fld>
             <a:endParaRPr lang="hu-HU"/>
           </a:p>
@@ -2371,7 +2836,7 @@
       </p:sp>
       <p:sp>
         <p:nvSpPr>
-          <p:cNvPr id="6" name="Élőláb helye 5"/>
+          <p:cNvPr id="6" name="Footer Placeholder 5"/>
           <p:cNvSpPr>
             <a:spLocks noGrp="1"/>
           </p:cNvSpPr>
@@ -2379,7 +2844,12 @@
             <p:ph type="ftr" sz="quarter" idx="11"/>
           </p:nvPr>
         </p:nvSpPr>
-        <p:spPr/>
+        <p:spPr>
+          <a:xfrm>
+            <a:off x="1447382" y="318640"/>
+            <a:ext cx="5541004" cy="320931"/>
+          </a:xfrm>
+        </p:spPr>
         <p:txBody>
           <a:bodyPr/>
           <a:lstStyle/>
@@ -2390,7 +2860,7 @@
       </p:sp>
       <p:sp>
         <p:nvSpPr>
-          <p:cNvPr id="7" name="Dia számának helye 6"/>
+          <p:cNvPr id="7" name="Slide Number Placeholder 6"/>
           <p:cNvSpPr>
             <a:spLocks noGrp="1"/>
           </p:cNvSpPr>
@@ -2411,10 +2881,41 @@
           </a:p>
         </p:txBody>
       </p:sp>
+      <p:cxnSp>
+        <p:nvCxnSpPr>
+          <p:cNvPr id="31" name="Straight Connector 30"/>
+          <p:cNvCxnSpPr/>
+          <p:nvPr/>
+        </p:nvCxnSpPr>
+        <p:spPr>
+          <a:xfrm>
+            <a:off x="1447382" y="3143605"/>
+            <a:ext cx="5527351" cy="0"/>
+          </a:xfrm>
+          <a:prstGeom prst="line">
+            <a:avLst/>
+          </a:prstGeom>
+          <a:ln w="31750"/>
+        </p:spPr>
+        <p:style>
+          <a:lnRef idx="3">
+            <a:schemeClr val="accent1"/>
+          </a:lnRef>
+          <a:fillRef idx="0">
+            <a:schemeClr val="accent1"/>
+          </a:fillRef>
+          <a:effectRef idx="2">
+            <a:schemeClr val="accent1"/>
+          </a:effectRef>
+          <a:fontRef idx="minor">
+            <a:schemeClr val="tx1"/>
+          </a:fontRef>
+        </p:style>
+      </p:cxnSp>
     </p:spTree>
     <p:extLst>
       <p:ext uri="{BB962C8B-B14F-4D97-AF65-F5344CB8AC3E}">
-        <p14:creationId xmlns:p14="http://schemas.microsoft.com/office/powerpoint/2010/main" val="1838442949"/>
+        <p14:creationId xmlns:p14="http://schemas.microsoft.com/office/powerpoint/2010/main" val="265137806"/>
       </p:ext>
     </p:extLst>
   </p:cSld>
@@ -2428,8 +2929,8 @@
 <p:sldMaster xmlns:a="http://schemas.openxmlformats.org/drawingml/2006/main" xmlns:r="http://schemas.openxmlformats.org/officeDocument/2006/relationships" xmlns:p="http://schemas.openxmlformats.org/presentationml/2006/main">
   <p:cSld>
     <p:bg>
-      <p:bgRef idx="1001">
-        <a:schemeClr val="bg1"/>
+      <p:bgRef idx="1003">
+        <a:schemeClr val="bg2"/>
       </p:bgRef>
     </p:bg>
     <p:spTree>
@@ -2448,56 +2949,134 @@
       </p:grpSpPr>
       <p:sp>
         <p:nvSpPr>
-          <p:cNvPr id="2" name="Cím helye 1"/>
-          <p:cNvSpPr>
-            <a:spLocks noGrp="1"/>
-          </p:cNvSpPr>
-          <p:nvPr>
-            <p:ph type="title"/>
-          </p:nvPr>
-        </p:nvSpPr>
-        <p:spPr>
-          <a:xfrm>
-            <a:off x="838200" y="365125"/>
-            <a:ext cx="10515600" cy="1325563"/>
+          <p:cNvPr id="8" name="Rectangle 7"/>
+          <p:cNvSpPr/>
+          <p:nvPr/>
+        </p:nvSpPr>
+        <p:spPr>
+          <a:xfrm>
+            <a:off x="0" y="2019476"/>
+            <a:ext cx="12192000" cy="4105941"/>
           </a:xfrm>
           <a:prstGeom prst="rect">
             <a:avLst/>
           </a:prstGeom>
-        </p:spPr>
-        <p:txBody>
-          <a:bodyPr vert="horz" lIns="91440" tIns="45720" rIns="91440" bIns="45720" rtlCol="0" anchor="ctr">
-            <a:normAutofit/>
-          </a:bodyPr>
-          <a:lstStyle/>
-          <a:p>
-            <a:r>
-              <a:rPr lang="hu-HU"/>
-              <a:t>Mintacím szerkesztése</a:t>
-            </a:r>
-            <a:endParaRPr lang="en-GB"/>
-          </a:p>
-        </p:txBody>
-      </p:sp>
-      <p:sp>
-        <p:nvSpPr>
-          <p:cNvPr id="3" name="Szöveg helye 2"/>
-          <p:cNvSpPr>
-            <a:spLocks noGrp="1"/>
-          </p:cNvSpPr>
-          <p:nvPr>
-            <p:ph type="body" idx="1"/>
-          </p:nvPr>
-        </p:nvSpPr>
-        <p:spPr>
-          <a:xfrm>
-            <a:off x="838200" y="1825625"/>
-            <a:ext cx="10515600" cy="4351338"/>
+          <a:gradFill flip="none" rotWithShape="1">
+            <a:gsLst>
+              <a:gs pos="0">
+                <a:schemeClr val="bg2">
+                  <a:alpha val="0"/>
+                </a:schemeClr>
+              </a:gs>
+              <a:gs pos="100000">
+                <a:schemeClr val="bg2"/>
+              </a:gs>
+            </a:gsLst>
+            <a:lin ang="5400000" scaled="0"/>
+            <a:tileRect/>
+          </a:gradFill>
+          <a:ln>
+            <a:noFill/>
+          </a:ln>
+        </p:spPr>
+        <p:style>
+          <a:lnRef idx="2">
+            <a:schemeClr val="accent1">
+              <a:shade val="50000"/>
+            </a:schemeClr>
+          </a:lnRef>
+          <a:fillRef idx="1">
+            <a:schemeClr val="accent1"/>
+          </a:fillRef>
+          <a:effectRef idx="0">
+            <a:schemeClr val="accent1"/>
+          </a:effectRef>
+          <a:fontRef idx="minor">
+            <a:schemeClr val="lt1"/>
+          </a:fontRef>
+        </p:style>
+      </p:sp>
+      <p:pic>
+        <p:nvPicPr>
+          <p:cNvPr id="7" name="Picture 6"/>
+          <p:cNvPicPr>
+            <a:picLocks noChangeAspect="1"/>
+          </p:cNvPicPr>
+          <p:nvPr/>
+        </p:nvPicPr>
+        <p:blipFill rotWithShape="1">
+          <a:blip r:embed="rId13">
+            <a:extLst>
+              <a:ext uri="{28A0092B-C50C-407E-A947-70E740481C1C}">
+                <a14:useLocalDpi xmlns:a14="http://schemas.microsoft.com/office/drawing/2010/main" val="0"/>
+              </a:ext>
+            </a:extLst>
+          </a:blip>
+          <a:srcRect t="1538" b="-1538"/>
+          <a:stretch/>
+        </p:blipFill>
+        <p:spPr bwMode="black">
+          <a:xfrm>
+            <a:off x="0" y="6126480"/>
+            <a:ext cx="12192000" cy="742950"/>
           </a:xfrm>
           <a:prstGeom prst="rect">
             <a:avLst/>
           </a:prstGeom>
         </p:spPr>
+      </p:pic>
+      <p:sp>
+        <p:nvSpPr>
+          <p:cNvPr id="2" name="Title Placeholder 1"/>
+          <p:cNvSpPr>
+            <a:spLocks noGrp="1"/>
+          </p:cNvSpPr>
+          <p:nvPr>
+            <p:ph type="title"/>
+          </p:nvPr>
+        </p:nvSpPr>
+        <p:spPr>
+          <a:xfrm>
+            <a:off x="1451579" y="804519"/>
+            <a:ext cx="9603275" cy="1049235"/>
+          </a:xfrm>
+          <a:prstGeom prst="rect">
+            <a:avLst/>
+          </a:prstGeom>
+        </p:spPr>
+        <p:txBody>
+          <a:bodyPr vert="horz" lIns="91440" tIns="45720" rIns="91440" bIns="45720" rtlCol="0" anchor="t">
+            <a:normAutofit/>
+          </a:bodyPr>
+          <a:lstStyle/>
+          <a:p>
+            <a:r>
+              <a:rPr lang="hu-HU"/>
+              <a:t>Mintacím szerkesztése</a:t>
+            </a:r>
+            <a:endParaRPr lang="en-US" dirty="0"/>
+          </a:p>
+        </p:txBody>
+      </p:sp>
+      <p:sp>
+        <p:nvSpPr>
+          <p:cNvPr id="3" name="Text Placeholder 2"/>
+          <p:cNvSpPr>
+            <a:spLocks noGrp="1"/>
+          </p:cNvSpPr>
+          <p:nvPr>
+            <p:ph type="body" idx="1"/>
+          </p:nvPr>
+        </p:nvSpPr>
+        <p:spPr>
+          <a:xfrm>
+            <a:off x="1451579" y="2015732"/>
+            <a:ext cx="9603275" cy="3450613"/>
+          </a:xfrm>
+          <a:prstGeom prst="rect">
+            <a:avLst/>
+          </a:prstGeom>
+        </p:spPr>
         <p:txBody>
           <a:bodyPr vert="horz" lIns="91440" tIns="45720" rIns="91440" bIns="45720" rtlCol="0">
             <a:normAutofit/>
@@ -2506,44 +3085,43 @@
           <a:p>
             <a:pPr lvl="0"/>
             <a:r>
-              <a:rPr lang="hu-HU"/>
-              <a:t>Mintaszöveg szerkesztése</a:t>
+              <a:rPr lang="en-US" dirty="0"/>
+              <a:t>Edit Master text styles</a:t>
             </a:r>
           </a:p>
           <a:p>
             <a:pPr lvl="1"/>
             <a:r>
-              <a:rPr lang="hu-HU"/>
-              <a:t>Második szint</a:t>
+              <a:rPr lang="en-US" dirty="0"/>
+              <a:t>Second level</a:t>
             </a:r>
           </a:p>
           <a:p>
             <a:pPr lvl="2"/>
             <a:r>
-              <a:rPr lang="hu-HU"/>
-              <a:t>Harmadik szint</a:t>
+              <a:rPr lang="en-US" dirty="0"/>
+              <a:t>Third level</a:t>
             </a:r>
           </a:p>
           <a:p>
             <a:pPr lvl="3"/>
             <a:r>
-              <a:rPr lang="hu-HU"/>
-              <a:t>Negyedik szint</a:t>
+              <a:rPr lang="en-US" dirty="0"/>
+              <a:t>Fourth level</a:t>
             </a:r>
           </a:p>
           <a:p>
             <a:pPr lvl="4"/>
             <a:r>
-              <a:rPr lang="hu-HU"/>
-              <a:t>Ötödik szint</a:t>
-            </a:r>
-            <a:endParaRPr lang="en-GB"/>
-          </a:p>
-        </p:txBody>
-      </p:sp>
-      <p:sp>
-        <p:nvSpPr>
-          <p:cNvPr id="4" name="Dátum helye 3"/>
+              <a:rPr lang="en-US" dirty="0"/>
+              <a:t>Fifth level</a:t>
+            </a:r>
+          </a:p>
+        </p:txBody>
+      </p:sp>
+      <p:sp>
+        <p:nvSpPr>
+          <p:cNvPr id="4" name="Date Placeholder 3"/>
           <p:cNvSpPr>
             <a:spLocks noGrp="1"/>
           </p:cNvSpPr>
@@ -2553,8 +3131,8 @@
         </p:nvSpPr>
         <p:spPr>
           <a:xfrm>
-            <a:off x="838200" y="6356350"/>
-            <a:ext cx="2743200" cy="365125"/>
+            <a:off x="7554138" y="330370"/>
+            <a:ext cx="3500715" cy="309201"/>
           </a:xfrm>
           <a:prstGeom prst="rect">
             <a:avLst/>
@@ -2563,8 +3141,8 @@
         <p:txBody>
           <a:bodyPr vert="horz" lIns="91440" tIns="45720" rIns="91440" bIns="45720" rtlCol="0" anchor="ctr"/>
           <a:lstStyle>
-            <a:lvl1pPr algn="l">
-              <a:defRPr sz="1200">
+            <a:lvl1pPr algn="r">
+              <a:defRPr sz="1000">
                 <a:solidFill>
                   <a:schemeClr val="tx1">
                     <a:tint val="75000"/>
@@ -2576,7 +3154,7 @@
           <a:p>
             <a:fld id="{9F4F7D78-CF20-461A-86B4-A4E769077D55}" type="datetimeFigureOut">
               <a:rPr lang="hu-HU" smtClean="0"/>
-              <a:t>2023. 04. 16.</a:t>
+              <a:t>2023. 04. 19.</a:t>
             </a:fld>
             <a:endParaRPr lang="hu-HU"/>
           </a:p>
@@ -2584,7 +3162,7 @@
       </p:sp>
       <p:sp>
         <p:nvSpPr>
-          <p:cNvPr id="5" name="Élőláb helye 4"/>
+          <p:cNvPr id="5" name="Footer Placeholder 4"/>
           <p:cNvSpPr>
             <a:spLocks noGrp="1"/>
           </p:cNvSpPr>
@@ -2594,8 +3172,8 @@
         </p:nvSpPr>
         <p:spPr>
           <a:xfrm>
-            <a:off x="4038600" y="6356350"/>
-            <a:ext cx="4114800" cy="365125"/>
+            <a:off x="1451579" y="329307"/>
+            <a:ext cx="5938836" cy="309201"/>
           </a:xfrm>
           <a:prstGeom prst="rect">
             <a:avLst/>
@@ -2604,8 +3182,8 @@
         <p:txBody>
           <a:bodyPr vert="horz" lIns="91440" tIns="45720" rIns="91440" bIns="45720" rtlCol="0" anchor="ctr"/>
           <a:lstStyle>
-            <a:lvl1pPr algn="ctr">
-              <a:defRPr sz="1200">
+            <a:lvl1pPr algn="l">
+              <a:defRPr sz="1000">
                 <a:solidFill>
                   <a:schemeClr val="tx1">
                     <a:tint val="75000"/>
@@ -2621,7 +3199,7 @@
       </p:sp>
       <p:sp>
         <p:nvSpPr>
-          <p:cNvPr id="6" name="Dia számának helye 5"/>
+          <p:cNvPr id="6" name="Slide Number Placeholder 5"/>
           <p:cNvSpPr>
             <a:spLocks noGrp="1"/>
           </p:cNvSpPr>
@@ -2631,22 +3209,20 @@
         </p:nvSpPr>
         <p:spPr>
           <a:xfrm>
-            <a:off x="8610600" y="6356350"/>
-            <a:ext cx="2743200" cy="365125"/>
+            <a:off x="480060" y="798973"/>
+            <a:ext cx="811019" cy="503578"/>
           </a:xfrm>
           <a:prstGeom prst="rect">
             <a:avLst/>
           </a:prstGeom>
         </p:spPr>
         <p:txBody>
-          <a:bodyPr vert="horz" lIns="91440" tIns="45720" rIns="91440" bIns="45720" rtlCol="0" anchor="ctr"/>
+          <a:bodyPr vert="horz" lIns="91440" tIns="45720" rIns="91440" bIns="45720" rtlCol="0" anchor="t"/>
           <a:lstStyle>
             <a:lvl1pPr algn="r">
-              <a:defRPr sz="1200">
+              <a:defRPr sz="2800">
                 <a:solidFill>
-                  <a:schemeClr val="tx1">
-                    <a:tint val="75000"/>
-                  </a:schemeClr>
+                  <a:schemeClr val="accent1"/>
                 </a:solidFill>
               </a:defRPr>
             </a:lvl1pPr>
@@ -2660,26 +3236,63 @@
           </a:p>
         </p:txBody>
       </p:sp>
+      <p:cxnSp>
+        <p:nvCxnSpPr>
+          <p:cNvPr id="10" name="Straight Connector 9"/>
+          <p:cNvCxnSpPr/>
+          <p:nvPr/>
+        </p:nvCxnSpPr>
+        <p:spPr>
+          <a:xfrm>
+            <a:off x="0" y="6128413"/>
+            <a:ext cx="12192000" cy="0"/>
+          </a:xfrm>
+          <a:prstGeom prst="line">
+            <a:avLst/>
+          </a:prstGeom>
+          <a:ln w="12700">
+            <a:solidFill>
+              <a:srgbClr val="000001">
+                <a:alpha val="20000"/>
+              </a:srgbClr>
+            </a:solidFill>
+          </a:ln>
+        </p:spPr>
+        <p:style>
+          <a:lnRef idx="1">
+            <a:schemeClr val="accent1"/>
+          </a:lnRef>
+          <a:fillRef idx="0">
+            <a:schemeClr val="accent1"/>
+          </a:fillRef>
+          <a:effectRef idx="0">
+            <a:schemeClr val="accent1"/>
+          </a:effectRef>
+          <a:fontRef idx="minor">
+            <a:schemeClr val="tx1"/>
+          </a:fontRef>
+        </p:style>
+      </p:cxnSp>
     </p:spTree>
     <p:extLst>
       <p:ext uri="{BB962C8B-B14F-4D97-AF65-F5344CB8AC3E}">
-        <p14:creationId xmlns:p14="http://schemas.microsoft.com/office/powerpoint/2010/main" val="3403716970"/>
+        <p14:creationId xmlns:p14="http://schemas.microsoft.com/office/powerpoint/2010/main" val="3905138315"/>
       </p:ext>
     </p:extLst>
   </p:cSld>
   <p:clrMap bg1="lt1" tx1="dk1" bg2="lt2" tx2="dk2" accent1="accent1" accent2="accent2" accent3="accent3" accent4="accent4" accent5="accent5" accent6="accent6" hlink="hlink" folHlink="folHlink"/>
   <p:sldLayoutIdLst>
-    <p:sldLayoutId id="2147483673" r:id="rId1"/>
-    <p:sldLayoutId id="2147483674" r:id="rId2"/>
-    <p:sldLayoutId id="2147483675" r:id="rId3"/>
-    <p:sldLayoutId id="2147483676" r:id="rId4"/>
-    <p:sldLayoutId id="2147483677" r:id="rId5"/>
-    <p:sldLayoutId id="2147483678" r:id="rId6"/>
-    <p:sldLayoutId id="2147483679" r:id="rId7"/>
-    <p:sldLayoutId id="2147483680" r:id="rId8"/>
-    <p:sldLayoutId id="2147483681" r:id="rId9"/>
-    <p:sldLayoutId id="2147483682" r:id="rId10"/>
-    <p:sldLayoutId id="2147483683" r:id="rId11"/>
+    <p:sldLayoutId id="2147483685" r:id="rId1"/>
+    <p:sldLayoutId id="2147483686" r:id="rId2"/>
+    <p:sldLayoutId id="2147483687" r:id="rId3"/>
+    <p:sldLayoutId id="2147483688" r:id="rId4"/>
+    <p:sldLayoutId id="2147483689" r:id="rId5"/>
+    <p:sldLayoutId id="2147483690" r:id="rId6"/>
+    <p:sldLayoutId id="2147483691" r:id="rId7"/>
+    <p:sldLayoutId id="2147483692" r:id="rId8"/>
+    <p:sldLayoutId id="2147483693" r:id="rId9"/>
+    <p:sldLayoutId id="2147483694" r:id="rId10"/>
+    <p:sldLayoutId id="2147483695" r:id="rId11"/>
   </p:sldLayoutIdLst>
   <p:txStyles>
     <p:titleStyle>
@@ -2691,10 +3304,11 @@
           <a:spcPct val="0"/>
         </a:spcBef>
         <a:buNone/>
-        <a:defRPr sz="4400" kern="1200">
+        <a:defRPr sz="3200" b="0" i="0" kern="1200" cap="all">
           <a:solidFill>
             <a:schemeClr val="tx1"/>
           </a:solidFill>
+          <a:effectLst/>
           <a:latin typeface="+mj-lt"/>
           <a:ea typeface="+mj-ea"/>
           <a:cs typeface="+mj-cs"/>
@@ -2704,17 +3318,22 @@
     <p:bodyStyle>
       <a:lvl1pPr marL="228600" indent="-228600" algn="l" defTabSz="914400" rtl="0" eaLnBrk="1" latinLnBrk="0" hangingPunct="1">
         <a:lnSpc>
-          <a:spcPct val="90000"/>
+          <a:spcPct val="120000"/>
         </a:lnSpc>
         <a:spcBef>
           <a:spcPts val="1000"/>
         </a:spcBef>
+        <a:buClr>
+          <a:schemeClr val="accent1"/>
+        </a:buClr>
+        <a:buSzPct val="100000"/>
         <a:buFont typeface="Arial" panose="020B0604020202020204" pitchFamily="34" charset="0"/>
         <a:buChar char="•"/>
-        <a:defRPr sz="2800" kern="1200">
+        <a:defRPr sz="2000" kern="1200">
           <a:solidFill>
             <a:schemeClr val="tx1"/>
           </a:solidFill>
+          <a:effectLst/>
           <a:latin typeface="+mn-lt"/>
           <a:ea typeface="+mn-ea"/>
           <a:cs typeface="+mn-cs"/>
@@ -2722,17 +3341,22 @@
       </a:lvl1pPr>
       <a:lvl2pPr marL="685800" indent="-228600" algn="l" defTabSz="914400" rtl="0" eaLnBrk="1" latinLnBrk="0" hangingPunct="1">
         <a:lnSpc>
-          <a:spcPct val="90000"/>
+          <a:spcPct val="120000"/>
         </a:lnSpc>
         <a:spcBef>
           <a:spcPts val="500"/>
         </a:spcBef>
+        <a:buClr>
+          <a:schemeClr val="accent1"/>
+        </a:buClr>
+        <a:buSzPct val="100000"/>
         <a:buFont typeface="Arial" panose="020B0604020202020204" pitchFamily="34" charset="0"/>
         <a:buChar char="•"/>
-        <a:defRPr sz="2400" kern="1200">
+        <a:defRPr sz="1800" kern="1200" cap="none" baseline="0">
           <a:solidFill>
             <a:schemeClr val="tx1"/>
           </a:solidFill>
+          <a:effectLst/>
           <a:latin typeface="+mn-lt"/>
           <a:ea typeface="+mn-ea"/>
           <a:cs typeface="+mn-cs"/>
@@ -2740,17 +3364,22 @@
       </a:lvl2pPr>
       <a:lvl3pPr marL="1143000" indent="-228600" algn="l" defTabSz="914400" rtl="0" eaLnBrk="1" latinLnBrk="0" hangingPunct="1">
         <a:lnSpc>
-          <a:spcPct val="90000"/>
+          <a:spcPct val="120000"/>
         </a:lnSpc>
         <a:spcBef>
           <a:spcPts val="500"/>
         </a:spcBef>
+        <a:buClr>
+          <a:schemeClr val="accent1"/>
+        </a:buClr>
+        <a:buSzPct val="100000"/>
         <a:buFont typeface="Arial" panose="020B0604020202020204" pitchFamily="34" charset="0"/>
         <a:buChar char="•"/>
-        <a:defRPr sz="2000" kern="1200">
+        <a:defRPr sz="1600" kern="1200">
           <a:solidFill>
             <a:schemeClr val="tx1"/>
           </a:solidFill>
+          <a:effectLst/>
           <a:latin typeface="+mn-lt"/>
           <a:ea typeface="+mn-ea"/>
           <a:cs typeface="+mn-cs"/>
@@ -2758,17 +3387,22 @@
       </a:lvl3pPr>
       <a:lvl4pPr marL="1600200" indent="-228600" algn="l" defTabSz="914400" rtl="0" eaLnBrk="1" latinLnBrk="0" hangingPunct="1">
         <a:lnSpc>
-          <a:spcPct val="90000"/>
+          <a:spcPct val="120000"/>
         </a:lnSpc>
         <a:spcBef>
           <a:spcPts val="500"/>
         </a:spcBef>
+        <a:buClr>
+          <a:schemeClr val="accent1"/>
+        </a:buClr>
+        <a:buSzPct val="100000"/>
         <a:buFont typeface="Arial" panose="020B0604020202020204" pitchFamily="34" charset="0"/>
         <a:buChar char="•"/>
-        <a:defRPr sz="1800" kern="1200">
+        <a:defRPr sz="1400" kern="1200" cap="none" baseline="0">
           <a:solidFill>
             <a:schemeClr val="tx1"/>
           </a:solidFill>
+          <a:effectLst/>
           <a:latin typeface="+mn-lt"/>
           <a:ea typeface="+mn-ea"/>
           <a:cs typeface="+mn-cs"/>
@@ -2776,17 +3410,22 @@
       </a:lvl4pPr>
       <a:lvl5pPr marL="2057400" indent="-228600" algn="l" defTabSz="914400" rtl="0" eaLnBrk="1" latinLnBrk="0" hangingPunct="1">
         <a:lnSpc>
-          <a:spcPct val="90000"/>
+          <a:spcPct val="120000"/>
         </a:lnSpc>
         <a:spcBef>
           <a:spcPts val="500"/>
         </a:spcBef>
+        <a:buClr>
+          <a:schemeClr val="accent1"/>
+        </a:buClr>
+        <a:buSzPct val="100000"/>
         <a:buFont typeface="Arial" panose="020B0604020202020204" pitchFamily="34" charset="0"/>
         <a:buChar char="•"/>
-        <a:defRPr sz="1800" kern="1200">
+        <a:defRPr sz="1200" kern="1200">
           <a:solidFill>
             <a:schemeClr val="tx1"/>
           </a:solidFill>
+          <a:effectLst/>
           <a:latin typeface="+mn-lt"/>
           <a:ea typeface="+mn-ea"/>
           <a:cs typeface="+mn-cs"/>
@@ -2794,17 +3433,22 @@
       </a:lvl5pPr>
       <a:lvl6pPr marL="2514600" indent="-228600" algn="l" defTabSz="914400" rtl="0" eaLnBrk="1" latinLnBrk="0" hangingPunct="1">
         <a:lnSpc>
-          <a:spcPct val="90000"/>
+          <a:spcPct val="120000"/>
         </a:lnSpc>
         <a:spcBef>
           <a:spcPts val="500"/>
         </a:spcBef>
+        <a:buClr>
+          <a:schemeClr val="accent1"/>
+        </a:buClr>
+        <a:buSzPct val="100000"/>
         <a:buFont typeface="Arial" panose="020B0604020202020204" pitchFamily="34" charset="0"/>
         <a:buChar char="•"/>
-        <a:defRPr sz="1800" kern="1200">
+        <a:defRPr sz="1200" kern="1200">
           <a:solidFill>
             <a:schemeClr val="tx1"/>
           </a:solidFill>
+          <a:effectLst/>
           <a:latin typeface="+mn-lt"/>
           <a:ea typeface="+mn-ea"/>
           <a:cs typeface="+mn-cs"/>
@@ -2812,17 +3456,22 @@
       </a:lvl6pPr>
       <a:lvl7pPr marL="2971800" indent="-228600" algn="l" defTabSz="914400" rtl="0" eaLnBrk="1" latinLnBrk="0" hangingPunct="1">
         <a:lnSpc>
-          <a:spcPct val="90000"/>
+          <a:spcPct val="120000"/>
         </a:lnSpc>
         <a:spcBef>
           <a:spcPts val="500"/>
         </a:spcBef>
+        <a:buClr>
+          <a:schemeClr val="accent1"/>
+        </a:buClr>
+        <a:buSzPct val="100000"/>
         <a:buFont typeface="Arial" panose="020B0604020202020204" pitchFamily="34" charset="0"/>
         <a:buChar char="•"/>
-        <a:defRPr sz="1800" kern="1200">
+        <a:defRPr sz="1200" kern="1200">
           <a:solidFill>
             <a:schemeClr val="tx1"/>
           </a:solidFill>
+          <a:effectLst/>
           <a:latin typeface="+mn-lt"/>
           <a:ea typeface="+mn-ea"/>
           <a:cs typeface="+mn-cs"/>
@@ -2830,17 +3479,22 @@
       </a:lvl7pPr>
       <a:lvl8pPr marL="3429000" indent="-228600" algn="l" defTabSz="914400" rtl="0" eaLnBrk="1" latinLnBrk="0" hangingPunct="1">
         <a:lnSpc>
-          <a:spcPct val="90000"/>
+          <a:spcPct val="120000"/>
         </a:lnSpc>
         <a:spcBef>
           <a:spcPts val="500"/>
         </a:spcBef>
+        <a:buClr>
+          <a:schemeClr val="accent1"/>
+        </a:buClr>
+        <a:buSzPct val="100000"/>
         <a:buFont typeface="Arial" panose="020B0604020202020204" pitchFamily="34" charset="0"/>
         <a:buChar char="•"/>
-        <a:defRPr sz="1800" kern="1200">
+        <a:defRPr sz="1200" kern="1200" baseline="0">
           <a:solidFill>
             <a:schemeClr val="tx1"/>
           </a:solidFill>
+          <a:effectLst/>
           <a:latin typeface="+mn-lt"/>
           <a:ea typeface="+mn-ea"/>
           <a:cs typeface="+mn-cs"/>
@@ -2848,17 +3502,22 @@
       </a:lvl8pPr>
       <a:lvl9pPr marL="3886200" indent="-228600" algn="l" defTabSz="914400" rtl="0" eaLnBrk="1" latinLnBrk="0" hangingPunct="1">
         <a:lnSpc>
-          <a:spcPct val="90000"/>
+          <a:spcPct val="120000"/>
         </a:lnSpc>
         <a:spcBef>
           <a:spcPts val="500"/>
         </a:spcBef>
+        <a:buClr>
+          <a:schemeClr val="accent1"/>
+        </a:buClr>
+        <a:buSzPct val="100000"/>
         <a:buFont typeface="Arial" panose="020B0604020202020204" pitchFamily="34" charset="0"/>
         <a:buChar char="•"/>
-        <a:defRPr sz="1800" kern="1200">
+        <a:defRPr sz="1200" kern="1200" baseline="0">
           <a:solidFill>
             <a:schemeClr val="tx1"/>
           </a:solidFill>
+          <a:effectLst/>
           <a:latin typeface="+mn-lt"/>
           <a:ea typeface="+mn-ea"/>
           <a:cs typeface="+mn-cs"/>
@@ -3020,7 +3679,15 @@
           <a:p>
             <a:r>
               <a:rPr lang="en-GB" dirty="0"/>
-              <a:t>Made by: </a:t>
+              <a:t>Made by: Luca </a:t>
+            </a:r>
+            <a:r>
+              <a:rPr lang="en-GB" dirty="0" err="1"/>
+              <a:t>Lukács</a:t>
+            </a:r>
+            <a:r>
+              <a:rPr lang="hu-HU" dirty="0"/>
+              <a:t>, </a:t>
             </a:r>
             <a:r>
               <a:rPr lang="en-GB" dirty="0" err="1"/>
@@ -3036,14 +3703,6 @@
             </a:r>
             <a:r>
               <a:rPr lang="en-GB" dirty="0"/>
-              <a:t>, Luca </a:t>
-            </a:r>
-            <a:r>
-              <a:rPr lang="en-GB" dirty="0" err="1"/>
-              <a:t>Lukács</a:t>
-            </a:r>
-            <a:r>
-              <a:rPr lang="en-GB" dirty="0"/>
               <a:t>, </a:t>
             </a:r>
             <a:r>
@@ -3052,13 +3711,8 @@
             </a:r>
             <a:r>
               <a:rPr lang="en-GB" dirty="0"/>
-              <a:t> </a:t>
-            </a:r>
-            <a:r>
-              <a:rPr lang="en-GB" dirty="0" err="1"/>
-              <a:t>Farkas</a:t>
-            </a:r>
-            <a:endParaRPr lang="en-GB" dirty="0"/>
+              <a:t> Farkas</a:t>
+            </a:r>
           </a:p>
         </p:txBody>
       </p:sp>
@@ -3092,101 +3746,82 @@
           <a:chExt cx="0" cy="0"/>
         </a:xfrm>
       </p:grpSpPr>
-      <p:sp>
-        <p:nvSpPr>
-          <p:cNvPr id="2" name="Cím 1"/>
-          <p:cNvSpPr>
-            <a:spLocks noGrp="1"/>
-          </p:cNvSpPr>
-          <p:nvPr>
-            <p:ph type="title"/>
-          </p:nvPr>
-        </p:nvSpPr>
-        <p:spPr/>
-        <p:txBody>
-          <a:bodyPr/>
-          <a:lstStyle/>
-          <a:p>
-            <a:r>
-              <a:rPr lang="hu-HU" dirty="0" err="1"/>
-              <a:t>Work</a:t>
-            </a:r>
-            <a:r>
-              <a:rPr lang="hu-HU" dirty="0"/>
-              <a:t> </a:t>
-            </a:r>
-            <a:r>
-              <a:rPr lang="hu-HU" dirty="0" err="1"/>
-              <a:t>sharing</a:t>
-            </a:r>
-            <a:endParaRPr lang="hu-HU" dirty="0"/>
-          </a:p>
-        </p:txBody>
-      </p:sp>
-      <p:sp>
-        <p:nvSpPr>
-          <p:cNvPr id="3" name="Tartalom helye 2"/>
-          <p:cNvSpPr>
-            <a:spLocks noGrp="1"/>
-          </p:cNvSpPr>
-          <p:nvPr>
-            <p:ph idx="1"/>
-          </p:nvPr>
-        </p:nvSpPr>
-        <p:spPr/>
-        <p:txBody>
-          <a:bodyPr/>
-          <a:lstStyle/>
-          <a:p>
-            <a:r>
-              <a:rPr lang="hu-HU" dirty="0"/>
-              <a:t>Patrik: HTML, website </a:t>
-            </a:r>
-            <a:r>
-              <a:rPr lang="hu-HU" dirty="0" err="1"/>
-              <a:t>structure</a:t>
-            </a:r>
-            <a:endParaRPr lang="hu-HU" dirty="0"/>
-          </a:p>
-          <a:p>
-            <a:r>
-              <a:rPr lang="hu-HU" dirty="0"/>
-              <a:t>Máté: JavaScript, </a:t>
-            </a:r>
-            <a:r>
-              <a:rPr lang="hu-HU" dirty="0" err="1"/>
-              <a:t>PhP</a:t>
-            </a:r>
-            <a:r>
-              <a:rPr lang="hu-HU" dirty="0"/>
-              <a:t>, </a:t>
-            </a:r>
-            <a:r>
-              <a:rPr lang="hu-HU" dirty="0" err="1"/>
-              <a:t>clean</a:t>
-            </a:r>
-            <a:r>
-              <a:rPr lang="hu-HU" dirty="0"/>
-              <a:t> </a:t>
-            </a:r>
-            <a:r>
-              <a:rPr lang="hu-HU" dirty="0" err="1"/>
-              <a:t>code</a:t>
-            </a:r>
-            <a:endParaRPr lang="hu-HU" dirty="0"/>
-          </a:p>
-          <a:p>
-            <a:r>
-              <a:rPr lang="hu-HU" dirty="0"/>
-              <a:t>Luca: CSS, design</a:t>
-            </a:r>
-          </a:p>
-        </p:txBody>
-      </p:sp>
+      <p:pic>
+        <p:nvPicPr>
+          <p:cNvPr id="4" name="Kép 3"/>
+          <p:cNvPicPr>
+            <a:picLocks noChangeAspect="1"/>
+          </p:cNvPicPr>
+          <p:nvPr/>
+        </p:nvPicPr>
+        <p:blipFill>
+          <a:blip r:embed="rId2"/>
+          <a:stretch>
+            <a:fillRect/>
+          </a:stretch>
+        </p:blipFill>
+        <p:spPr>
+          <a:xfrm>
+            <a:off x="931026" y="0"/>
+            <a:ext cx="4707395" cy="3898669"/>
+          </a:xfrm>
+          <a:prstGeom prst="rect">
+            <a:avLst/>
+          </a:prstGeom>
+        </p:spPr>
+      </p:pic>
+      <p:pic>
+        <p:nvPicPr>
+          <p:cNvPr id="6" name="Kép 5"/>
+          <p:cNvPicPr>
+            <a:picLocks noChangeAspect="1"/>
+          </p:cNvPicPr>
+          <p:nvPr/>
+        </p:nvPicPr>
+        <p:blipFill>
+          <a:blip r:embed="rId3"/>
+          <a:stretch>
+            <a:fillRect/>
+          </a:stretch>
+        </p:blipFill>
+        <p:spPr>
+          <a:xfrm>
+            <a:off x="0" y="4102648"/>
+            <a:ext cx="9071500" cy="2436264"/>
+          </a:xfrm>
+          <a:prstGeom prst="rect">
+            <a:avLst/>
+          </a:prstGeom>
+        </p:spPr>
+      </p:pic>
+      <p:pic>
+        <p:nvPicPr>
+          <p:cNvPr id="5" name="Kép 4"/>
+          <p:cNvPicPr>
+            <a:picLocks noChangeAspect="1"/>
+          </p:cNvPicPr>
+          <p:nvPr/>
+        </p:nvPicPr>
+        <p:blipFill>
+          <a:blip r:embed="rId4"/>
+          <a:stretch>
+            <a:fillRect/>
+          </a:stretch>
+        </p:blipFill>
+        <p:spPr>
+          <a:xfrm>
+            <a:off x="7016465" y="0"/>
+            <a:ext cx="3824842" cy="5320780"/>
+          </a:xfrm>
+          <a:prstGeom prst="rect">
+            <a:avLst/>
+          </a:prstGeom>
+        </p:spPr>
+      </p:pic>
     </p:spTree>
     <p:extLst>
       <p:ext uri="{BB962C8B-B14F-4D97-AF65-F5344CB8AC3E}">
-        <p14:creationId xmlns:p14="http://schemas.microsoft.com/office/powerpoint/2010/main" val="791051934"/>
+        <p14:creationId xmlns:p14="http://schemas.microsoft.com/office/powerpoint/2010/main" val="490578673"/>
       </p:ext>
     </p:extLst>
   </p:cSld>
@@ -3213,6 +3848,601 @@
           <a:chExt cx="0" cy="0"/>
         </a:xfrm>
       </p:grpSpPr>
+      <p:pic>
+        <p:nvPicPr>
+          <p:cNvPr id="2" name="Kép 1">
+            <a:extLst>
+              <a:ext uri="{FF2B5EF4-FFF2-40B4-BE49-F238E27FC236}">
+                <a16:creationId xmlns:a16="http://schemas.microsoft.com/office/drawing/2014/main" id="{E74B4272-5EE6-40E8-8364-90F91ECBB1CB}"/>
+              </a:ext>
+            </a:extLst>
+          </p:cNvPr>
+          <p:cNvPicPr>
+            <a:picLocks noChangeAspect="1"/>
+          </p:cNvPicPr>
+          <p:nvPr/>
+        </p:nvPicPr>
+        <p:blipFill>
+          <a:blip r:embed="rId2"/>
+          <a:stretch>
+            <a:fillRect/>
+          </a:stretch>
+        </p:blipFill>
+        <p:spPr>
+          <a:xfrm>
+            <a:off x="0" y="0"/>
+            <a:ext cx="2433978" cy="6858000"/>
+          </a:xfrm>
+          <a:prstGeom prst="rect">
+            <a:avLst/>
+          </a:prstGeom>
+        </p:spPr>
+      </p:pic>
+      <p:pic>
+        <p:nvPicPr>
+          <p:cNvPr id="3" name="Kép 2">
+            <a:extLst>
+              <a:ext uri="{FF2B5EF4-FFF2-40B4-BE49-F238E27FC236}">
+                <a16:creationId xmlns:a16="http://schemas.microsoft.com/office/drawing/2014/main" id="{BADE1289-57BA-4740-AB89-6D2A505B1758}"/>
+              </a:ext>
+            </a:extLst>
+          </p:cNvPr>
+          <p:cNvPicPr>
+            <a:picLocks noChangeAspect="1"/>
+          </p:cNvPicPr>
+          <p:nvPr/>
+        </p:nvPicPr>
+        <p:blipFill>
+          <a:blip r:embed="rId3"/>
+          <a:stretch>
+            <a:fillRect/>
+          </a:stretch>
+        </p:blipFill>
+        <p:spPr>
+          <a:xfrm>
+            <a:off x="2433978" y="0"/>
+            <a:ext cx="4317168" cy="6858000"/>
+          </a:xfrm>
+          <a:prstGeom prst="rect">
+            <a:avLst/>
+          </a:prstGeom>
+        </p:spPr>
+      </p:pic>
+      <p:pic>
+        <p:nvPicPr>
+          <p:cNvPr id="4" name="Kép 3">
+            <a:extLst>
+              <a:ext uri="{FF2B5EF4-FFF2-40B4-BE49-F238E27FC236}">
+                <a16:creationId xmlns:a16="http://schemas.microsoft.com/office/drawing/2014/main" id="{E64B36F9-3A32-472F-ACF0-99A5B441821C}"/>
+              </a:ext>
+            </a:extLst>
+          </p:cNvPr>
+          <p:cNvPicPr>
+            <a:picLocks noChangeAspect="1"/>
+          </p:cNvPicPr>
+          <p:nvPr/>
+        </p:nvPicPr>
+        <p:blipFill>
+          <a:blip r:embed="rId4"/>
+          <a:stretch>
+            <a:fillRect/>
+          </a:stretch>
+        </p:blipFill>
+        <p:spPr>
+          <a:xfrm>
+            <a:off x="6751146" y="684891"/>
+            <a:ext cx="5440854" cy="5488217"/>
+          </a:xfrm>
+          <a:prstGeom prst="rect">
+            <a:avLst/>
+          </a:prstGeom>
+        </p:spPr>
+      </p:pic>
+    </p:spTree>
+    <p:extLst>
+      <p:ext uri="{BB962C8B-B14F-4D97-AF65-F5344CB8AC3E}">
+        <p14:creationId xmlns:p14="http://schemas.microsoft.com/office/powerpoint/2010/main" val="1400809319"/>
+      </p:ext>
+    </p:extLst>
+  </p:cSld>
+  <p:clrMapOvr>
+    <a:masterClrMapping/>
+  </p:clrMapOvr>
+</p:sld>
+</file>
+
+<file path=ppt/slides/slide12.xml><?xml version="1.0" encoding="utf-8"?>
+<p:sld xmlns:a="http://schemas.openxmlformats.org/drawingml/2006/main" xmlns:r="http://schemas.openxmlformats.org/officeDocument/2006/relationships" xmlns:p="http://schemas.openxmlformats.org/presentationml/2006/main">
+  <p:cSld>
+    <p:spTree>
+      <p:nvGrpSpPr>
+        <p:cNvPr id="1" name=""/>
+        <p:cNvGrpSpPr/>
+        <p:nvPr/>
+      </p:nvGrpSpPr>
+      <p:grpSpPr>
+        <a:xfrm>
+          <a:off x="0" y="0"/>
+          <a:ext cx="0" cy="0"/>
+          <a:chOff x="0" y="0"/>
+          <a:chExt cx="0" cy="0"/>
+        </a:xfrm>
+      </p:grpSpPr>
+      <p:pic>
+        <p:nvPicPr>
+          <p:cNvPr id="2" name="Kép 1">
+            <a:extLst>
+              <a:ext uri="{FF2B5EF4-FFF2-40B4-BE49-F238E27FC236}">
+                <a16:creationId xmlns:a16="http://schemas.microsoft.com/office/drawing/2014/main" id="{CFFF8E88-02BE-413C-B770-01B846651F7C}"/>
+              </a:ext>
+            </a:extLst>
+          </p:cNvPr>
+          <p:cNvPicPr>
+            <a:picLocks noChangeAspect="1"/>
+          </p:cNvPicPr>
+          <p:nvPr/>
+        </p:nvPicPr>
+        <p:blipFill>
+          <a:blip r:embed="rId2"/>
+          <a:stretch>
+            <a:fillRect/>
+          </a:stretch>
+        </p:blipFill>
+        <p:spPr>
+          <a:xfrm>
+            <a:off x="0" y="1"/>
+            <a:ext cx="5185475" cy="3429000"/>
+          </a:xfrm>
+          <a:prstGeom prst="rect">
+            <a:avLst/>
+          </a:prstGeom>
+        </p:spPr>
+      </p:pic>
+      <p:pic>
+        <p:nvPicPr>
+          <p:cNvPr id="4" name="Kép 3">
+            <a:extLst>
+              <a:ext uri="{FF2B5EF4-FFF2-40B4-BE49-F238E27FC236}">
+                <a16:creationId xmlns:a16="http://schemas.microsoft.com/office/drawing/2014/main" id="{F0DC9942-F4CC-4A4A-A1AF-4C71C69FCBE0}"/>
+              </a:ext>
+            </a:extLst>
+          </p:cNvPr>
+          <p:cNvPicPr>
+            <a:picLocks noChangeAspect="1"/>
+          </p:cNvPicPr>
+          <p:nvPr/>
+        </p:nvPicPr>
+        <p:blipFill>
+          <a:blip r:embed="rId3"/>
+          <a:stretch>
+            <a:fillRect/>
+          </a:stretch>
+        </p:blipFill>
+        <p:spPr>
+          <a:xfrm>
+            <a:off x="3426489" y="1866829"/>
+            <a:ext cx="5185475" cy="4991171"/>
+          </a:xfrm>
+          <a:prstGeom prst="rect">
+            <a:avLst/>
+          </a:prstGeom>
+        </p:spPr>
+      </p:pic>
+      <p:pic>
+        <p:nvPicPr>
+          <p:cNvPr id="3" name="Kép 2">
+            <a:extLst>
+              <a:ext uri="{FF2B5EF4-FFF2-40B4-BE49-F238E27FC236}">
+                <a16:creationId xmlns:a16="http://schemas.microsoft.com/office/drawing/2014/main" id="{85856177-1D78-45EB-8FA2-E771378CF7B2}"/>
+              </a:ext>
+            </a:extLst>
+          </p:cNvPr>
+          <p:cNvPicPr>
+            <a:picLocks noChangeAspect="1"/>
+          </p:cNvPicPr>
+          <p:nvPr/>
+        </p:nvPicPr>
+        <p:blipFill>
+          <a:blip r:embed="rId4"/>
+          <a:stretch>
+            <a:fillRect/>
+          </a:stretch>
+        </p:blipFill>
+        <p:spPr>
+          <a:xfrm>
+            <a:off x="7831063" y="0"/>
+            <a:ext cx="4088920" cy="4102217"/>
+          </a:xfrm>
+          <a:prstGeom prst="rect">
+            <a:avLst/>
+          </a:prstGeom>
+        </p:spPr>
+      </p:pic>
+    </p:spTree>
+    <p:extLst>
+      <p:ext uri="{BB962C8B-B14F-4D97-AF65-F5344CB8AC3E}">
+        <p14:creationId xmlns:p14="http://schemas.microsoft.com/office/powerpoint/2010/main" val="1120473658"/>
+      </p:ext>
+    </p:extLst>
+  </p:cSld>
+  <p:clrMapOvr>
+    <a:masterClrMapping/>
+  </p:clrMapOvr>
+</p:sld>
+</file>
+
+<file path=ppt/slides/slide13.xml><?xml version="1.0" encoding="utf-8"?>
+<p:sld xmlns:a="http://schemas.openxmlformats.org/drawingml/2006/main" xmlns:r="http://schemas.openxmlformats.org/officeDocument/2006/relationships" xmlns:p="http://schemas.openxmlformats.org/presentationml/2006/main">
+  <p:cSld>
+    <p:spTree>
+      <p:nvGrpSpPr>
+        <p:cNvPr id="1" name=""/>
+        <p:cNvGrpSpPr/>
+        <p:nvPr/>
+      </p:nvGrpSpPr>
+      <p:grpSpPr>
+        <a:xfrm>
+          <a:off x="0" y="0"/>
+          <a:ext cx="0" cy="0"/>
+          <a:chOff x="0" y="0"/>
+          <a:chExt cx="0" cy="0"/>
+        </a:xfrm>
+      </p:grpSpPr>
+      <p:pic>
+        <p:nvPicPr>
+          <p:cNvPr id="3" name="Kép 2">
+            <a:extLst>
+              <a:ext uri="{FF2B5EF4-FFF2-40B4-BE49-F238E27FC236}">
+                <a16:creationId xmlns:a16="http://schemas.microsoft.com/office/drawing/2014/main" id="{C98D147B-4B4A-4CED-8A38-B10623E15992}"/>
+              </a:ext>
+            </a:extLst>
+          </p:cNvPr>
+          <p:cNvPicPr>
+            <a:picLocks noChangeAspect="1"/>
+          </p:cNvPicPr>
+          <p:nvPr/>
+        </p:nvPicPr>
+        <p:blipFill>
+          <a:blip r:embed="rId2"/>
+          <a:stretch>
+            <a:fillRect/>
+          </a:stretch>
+        </p:blipFill>
+        <p:spPr>
+          <a:xfrm>
+            <a:off x="3646414" y="0"/>
+            <a:ext cx="8545586" cy="4806892"/>
+          </a:xfrm>
+          <a:prstGeom prst="rect">
+            <a:avLst/>
+          </a:prstGeom>
+        </p:spPr>
+      </p:pic>
+      <p:pic>
+        <p:nvPicPr>
+          <p:cNvPr id="6" name="Kép 5">
+            <a:extLst>
+              <a:ext uri="{FF2B5EF4-FFF2-40B4-BE49-F238E27FC236}">
+                <a16:creationId xmlns:a16="http://schemas.microsoft.com/office/drawing/2014/main" id="{A5B2C399-D71B-4580-8C00-F49AB64EA722}"/>
+              </a:ext>
+            </a:extLst>
+          </p:cNvPr>
+          <p:cNvPicPr>
+            <a:picLocks noChangeAspect="1"/>
+          </p:cNvPicPr>
+          <p:nvPr/>
+        </p:nvPicPr>
+        <p:blipFill>
+          <a:blip r:embed="rId3"/>
+          <a:stretch>
+            <a:fillRect/>
+          </a:stretch>
+        </p:blipFill>
+        <p:spPr>
+          <a:xfrm>
+            <a:off x="0" y="3070370"/>
+            <a:ext cx="6733563" cy="3787629"/>
+          </a:xfrm>
+          <a:prstGeom prst="rect">
+            <a:avLst/>
+          </a:prstGeom>
+        </p:spPr>
+      </p:pic>
+    </p:spTree>
+    <p:extLst>
+      <p:ext uri="{BB962C8B-B14F-4D97-AF65-F5344CB8AC3E}">
+        <p14:creationId xmlns:p14="http://schemas.microsoft.com/office/powerpoint/2010/main" val="4250447567"/>
+      </p:ext>
+    </p:extLst>
+  </p:cSld>
+  <p:clrMapOvr>
+    <a:masterClrMapping/>
+  </p:clrMapOvr>
+</p:sld>
+</file>
+
+<file path=ppt/slides/slide14.xml><?xml version="1.0" encoding="utf-8"?>
+<p:sld xmlns:a="http://schemas.openxmlformats.org/drawingml/2006/main" xmlns:r="http://schemas.openxmlformats.org/officeDocument/2006/relationships" xmlns:p="http://schemas.openxmlformats.org/presentationml/2006/main">
+  <p:cSld>
+    <p:spTree>
+      <p:nvGrpSpPr>
+        <p:cNvPr id="1" name=""/>
+        <p:cNvGrpSpPr/>
+        <p:nvPr/>
+      </p:nvGrpSpPr>
+      <p:grpSpPr>
+        <a:xfrm>
+          <a:off x="0" y="0"/>
+          <a:ext cx="0" cy="0"/>
+          <a:chOff x="0" y="0"/>
+          <a:chExt cx="0" cy="0"/>
+        </a:xfrm>
+      </p:grpSpPr>
+      <p:sp>
+        <p:nvSpPr>
+          <p:cNvPr id="2" name="Cím 1"/>
+          <p:cNvSpPr>
+            <a:spLocks noGrp="1"/>
+          </p:cNvSpPr>
+          <p:nvPr>
+            <p:ph type="title"/>
+          </p:nvPr>
+        </p:nvSpPr>
+        <p:spPr/>
+        <p:txBody>
+          <a:bodyPr/>
+          <a:lstStyle/>
+          <a:p>
+            <a:r>
+              <a:rPr lang="hu-HU" dirty="0" err="1"/>
+              <a:t>Registration</a:t>
+            </a:r>
+            <a:r>
+              <a:rPr lang="hu-HU" dirty="0"/>
+              <a:t> site (</a:t>
+            </a:r>
+            <a:r>
+              <a:rPr lang="hu-HU" dirty="0" err="1"/>
+              <a:t>Plans</a:t>
+            </a:r>
+            <a:r>
+              <a:rPr lang="hu-HU" dirty="0"/>
+              <a:t>)</a:t>
+            </a:r>
+          </a:p>
+        </p:txBody>
+      </p:sp>
+      <p:sp>
+        <p:nvSpPr>
+          <p:cNvPr id="3" name="Tartalom helye 2"/>
+          <p:cNvSpPr>
+            <a:spLocks noGrp="1"/>
+          </p:cNvSpPr>
+          <p:nvPr>
+            <p:ph idx="1"/>
+          </p:nvPr>
+        </p:nvSpPr>
+        <p:spPr>
+          <a:xfrm>
+            <a:off x="1459892" y="2015732"/>
+            <a:ext cx="9603275" cy="3450613"/>
+          </a:xfrm>
+        </p:spPr>
+        <p:txBody>
+          <a:bodyPr/>
+          <a:lstStyle/>
+          <a:p>
+            <a:r>
+              <a:rPr lang="hu-HU" dirty="0"/>
+              <a:t>The </a:t>
+            </a:r>
+            <a:r>
+              <a:rPr lang="hu-HU" dirty="0" err="1"/>
+              <a:t>accounts</a:t>
+            </a:r>
+            <a:r>
+              <a:rPr lang="hu-HU" dirty="0"/>
+              <a:t> </a:t>
+            </a:r>
+            <a:r>
+              <a:rPr lang="hu-HU" dirty="0" err="1"/>
+              <a:t>are</a:t>
+            </a:r>
+            <a:r>
+              <a:rPr lang="hu-HU" dirty="0"/>
+              <a:t> </a:t>
+            </a:r>
+            <a:r>
+              <a:rPr lang="hu-HU" dirty="0" err="1"/>
+              <a:t>stored</a:t>
+            </a:r>
+            <a:r>
+              <a:rPr lang="hu-HU" dirty="0"/>
+              <a:t> in a </a:t>
+            </a:r>
+            <a:r>
+              <a:rPr lang="hu-HU" dirty="0" err="1"/>
+              <a:t>database</a:t>
+            </a:r>
+            <a:endParaRPr lang="hu-HU" dirty="0"/>
+          </a:p>
+          <a:p>
+            <a:r>
+              <a:rPr lang="hu-HU" dirty="0" err="1"/>
+              <a:t>You</a:t>
+            </a:r>
+            <a:r>
+              <a:rPr lang="hu-HU" dirty="0"/>
+              <a:t> </a:t>
+            </a:r>
+            <a:r>
+              <a:rPr lang="hu-HU" dirty="0" err="1"/>
+              <a:t>can</a:t>
+            </a:r>
+            <a:r>
+              <a:rPr lang="hu-HU" dirty="0"/>
+              <a:t> </a:t>
+            </a:r>
+            <a:r>
+              <a:rPr lang="hu-HU" dirty="0" err="1"/>
+              <a:t>create</a:t>
+            </a:r>
+            <a:r>
+              <a:rPr lang="hu-HU" dirty="0"/>
+              <a:t> here </a:t>
+            </a:r>
+            <a:r>
+              <a:rPr lang="hu-HU" dirty="0" err="1"/>
+              <a:t>your</a:t>
+            </a:r>
+            <a:r>
+              <a:rPr lang="hu-HU" dirty="0"/>
+              <a:t> </a:t>
+            </a:r>
+            <a:r>
+              <a:rPr lang="hu-HU" dirty="0" err="1"/>
+              <a:t>profile</a:t>
+            </a:r>
+            <a:endParaRPr lang="hu-HU" dirty="0"/>
+          </a:p>
+          <a:p>
+            <a:r>
+              <a:rPr lang="hu-HU" dirty="0" err="1"/>
+              <a:t>You</a:t>
+            </a:r>
+            <a:r>
+              <a:rPr lang="hu-HU" dirty="0"/>
+              <a:t> </a:t>
+            </a:r>
+            <a:r>
+              <a:rPr lang="hu-HU" dirty="0" err="1"/>
+              <a:t>need</a:t>
+            </a:r>
+            <a:r>
+              <a:rPr lang="hu-HU" dirty="0"/>
+              <a:t> </a:t>
+            </a:r>
+            <a:r>
+              <a:rPr lang="hu-HU" dirty="0" err="1"/>
+              <a:t>to</a:t>
+            </a:r>
+            <a:r>
+              <a:rPr lang="hu-HU" dirty="0"/>
+              <a:t> </a:t>
+            </a:r>
+            <a:r>
+              <a:rPr lang="hu-HU" dirty="0" err="1"/>
+              <a:t>give</a:t>
+            </a:r>
+            <a:r>
+              <a:rPr lang="hu-HU" dirty="0"/>
+              <a:t> </a:t>
+            </a:r>
+            <a:r>
+              <a:rPr lang="hu-HU" dirty="0" err="1"/>
+              <a:t>your</a:t>
+            </a:r>
+            <a:r>
+              <a:rPr lang="hu-HU" dirty="0"/>
+              <a:t> </a:t>
+            </a:r>
+            <a:r>
+              <a:rPr lang="hu-HU" dirty="0" err="1"/>
+              <a:t>name</a:t>
+            </a:r>
+            <a:r>
+              <a:rPr lang="hu-HU" dirty="0"/>
+              <a:t>, an e-mail </a:t>
+            </a:r>
+            <a:r>
+              <a:rPr lang="hu-HU" dirty="0" err="1"/>
+              <a:t>address</a:t>
+            </a:r>
+            <a:r>
+              <a:rPr lang="hu-HU" dirty="0"/>
+              <a:t>, and a </a:t>
+            </a:r>
+            <a:r>
+              <a:rPr lang="hu-HU" dirty="0" err="1"/>
+              <a:t>password</a:t>
+            </a:r>
+            <a:endParaRPr lang="hu-HU" dirty="0"/>
+          </a:p>
+          <a:p>
+            <a:r>
+              <a:rPr lang="hu-HU" dirty="0"/>
+              <a:t>And </a:t>
+            </a:r>
+            <a:r>
+              <a:rPr lang="hu-HU" dirty="0" err="1"/>
+              <a:t>you</a:t>
+            </a:r>
+            <a:r>
+              <a:rPr lang="hu-HU" dirty="0"/>
+              <a:t> </a:t>
+            </a:r>
+            <a:r>
+              <a:rPr lang="hu-HU" dirty="0" err="1"/>
+              <a:t>can</a:t>
+            </a:r>
+            <a:r>
+              <a:rPr lang="hu-HU" dirty="0"/>
+              <a:t> </a:t>
+            </a:r>
+            <a:r>
+              <a:rPr lang="hu-HU" dirty="0" err="1"/>
+              <a:t>set</a:t>
+            </a:r>
+            <a:r>
+              <a:rPr lang="hu-HU" dirty="0"/>
+              <a:t> a </a:t>
+            </a:r>
+            <a:r>
+              <a:rPr lang="hu-HU" dirty="0" err="1"/>
+              <a:t>profile</a:t>
+            </a:r>
+            <a:r>
+              <a:rPr lang="hu-HU" dirty="0"/>
+              <a:t> </a:t>
+            </a:r>
+            <a:r>
+              <a:rPr lang="hu-HU" dirty="0" err="1"/>
+              <a:t>picture</a:t>
+            </a:r>
+            <a:endParaRPr lang="hu-HU" dirty="0"/>
+          </a:p>
+        </p:txBody>
+      </p:sp>
+    </p:spTree>
+    <p:extLst>
+      <p:ext uri="{BB962C8B-B14F-4D97-AF65-F5344CB8AC3E}">
+        <p14:creationId xmlns:p14="http://schemas.microsoft.com/office/powerpoint/2010/main" val="2821274527"/>
+      </p:ext>
+    </p:extLst>
+  </p:cSld>
+  <p:clrMapOvr>
+    <a:masterClrMapping/>
+  </p:clrMapOvr>
+</p:sld>
+</file>
+
+<file path=ppt/slides/slide15.xml><?xml version="1.0" encoding="utf-8"?>
+<p:sld xmlns:a="http://schemas.openxmlformats.org/drawingml/2006/main" xmlns:r="http://schemas.openxmlformats.org/officeDocument/2006/relationships" xmlns:p="http://schemas.openxmlformats.org/presentationml/2006/main">
+  <p:cSld>
+    <p:spTree>
+      <p:nvGrpSpPr>
+        <p:cNvPr id="1" name=""/>
+        <p:cNvGrpSpPr/>
+        <p:nvPr/>
+      </p:nvGrpSpPr>
+      <p:grpSpPr>
+        <a:xfrm>
+          <a:off x="0" y="0"/>
+          <a:ext cx="0" cy="0"/>
+          <a:chOff x="0" y="0"/>
+          <a:chExt cx="0" cy="0"/>
+        </a:xfrm>
+      </p:grpSpPr>
       <p:sp>
         <p:nvSpPr>
           <p:cNvPr id="2" name="Cím 1"/>
@@ -3308,25 +4538,6 @@
               <a:rPr lang="hu-HU" dirty="0" err="1"/>
               <a:t>Jewellery</a:t>
             </a:r>
-            <a:endParaRPr lang="hu-HU" dirty="0"/>
-          </a:p>
-          <a:p>
-            <a:pPr marL="0" indent="0">
-              <a:buNone/>
-            </a:pPr>
-            <a:r>
-              <a:rPr lang="hu-HU" dirty="0" err="1"/>
-              <a:t>Registration</a:t>
-            </a:r>
-            <a:r>
-              <a:rPr lang="hu-HU" dirty="0"/>
-              <a:t> site</a:t>
-            </a:r>
-          </a:p>
-          <a:p>
-            <a:pPr marL="0" indent="0">
-              <a:buNone/>
-            </a:pPr>
             <a:endParaRPr lang="hu-HU" dirty="0"/>
           </a:p>
           <a:p>
@@ -3683,7 +4894,7 @@
 </p:sld>
 </file>
 
-<file path=ppt/slides/slide12.xml><?xml version="1.0" encoding="utf-8"?>
+<file path=ppt/slides/slide16.xml><?xml version="1.0" encoding="utf-8"?>
 <p:sld xmlns:a="http://schemas.openxmlformats.org/drawingml/2006/main" xmlns:r="http://schemas.openxmlformats.org/officeDocument/2006/relationships" xmlns:p="http://schemas.openxmlformats.org/presentationml/2006/main">
   <p:cSld>
     <p:spTree>
@@ -3765,7 +4976,7 @@
 </p:sld>
 </file>
 
-<file path=ppt/slides/slide13.xml><?xml version="1.0" encoding="utf-8"?>
+<file path=ppt/slides/slide17.xml><?xml version="1.0" encoding="utf-8"?>
 <p:sld xmlns:a="http://schemas.openxmlformats.org/drawingml/2006/main" xmlns:r="http://schemas.openxmlformats.org/officeDocument/2006/relationships" xmlns:p="http://schemas.openxmlformats.org/presentationml/2006/main">
   <p:cSld>
     <p:spTree>
@@ -3933,20 +5144,17 @@
           <a:p>
             <a:r>
               <a:rPr lang="hu-HU" dirty="0" err="1"/>
-              <a:t>Programs</a:t>
-            </a:r>
-            <a:r>
-              <a:rPr lang="hu-HU" dirty="0"/>
-              <a:t> we </a:t>
-            </a:r>
-            <a:r>
-              <a:rPr lang="hu-HU" dirty="0" err="1"/>
-              <a:t>used</a:t>
-            </a:r>
-            <a:r>
-              <a:rPr lang="hu-HU" dirty="0"/>
-              <a:t>:</a:t>
-            </a:r>
+              <a:t>Work</a:t>
+            </a:r>
+            <a:r>
+              <a:rPr lang="hu-HU" dirty="0"/>
+              <a:t> </a:t>
+            </a:r>
+            <a:r>
+              <a:rPr lang="hu-HU" dirty="0" err="1"/>
+              <a:t>sharing</a:t>
+            </a:r>
+            <a:endParaRPr lang="hu-HU" dirty="0"/>
           </a:p>
         </p:txBody>
       </p:sp>
@@ -3967,11 +5175,30 @@
           <a:p>
             <a:r>
               <a:rPr lang="hu-HU" dirty="0"/>
-              <a:t>Visual </a:t>
-            </a:r>
-            <a:r>
-              <a:rPr lang="hu-HU" dirty="0" err="1"/>
-              <a:t>Studio</a:t>
+              <a:t>Patrik: HTML, website </a:t>
+            </a:r>
+            <a:r>
+              <a:rPr lang="hu-HU" dirty="0" err="1"/>
+              <a:t>structure</a:t>
+            </a:r>
+            <a:endParaRPr lang="hu-HU" dirty="0"/>
+          </a:p>
+          <a:p>
+            <a:r>
+              <a:rPr lang="hu-HU" dirty="0"/>
+              <a:t>Máté: JavaScript, </a:t>
+            </a:r>
+            <a:r>
+              <a:rPr lang="hu-HU" dirty="0" err="1"/>
+              <a:t>PhP</a:t>
+            </a:r>
+            <a:r>
+              <a:rPr lang="hu-HU" dirty="0"/>
+              <a:t>, </a:t>
+            </a:r>
+            <a:r>
+              <a:rPr lang="hu-HU" dirty="0" err="1"/>
+              <a:t>clean</a:t>
             </a:r>
             <a:r>
               <a:rPr lang="hu-HU" dirty="0"/>
@@ -3979,129 +5206,22 @@
             </a:r>
             <a:r>
               <a:rPr lang="hu-HU" dirty="0" err="1"/>
-              <a:t>Code</a:t>
+              <a:t>code</a:t>
             </a:r>
             <a:endParaRPr lang="hu-HU" dirty="0"/>
           </a:p>
           <a:p>
             <a:r>
-              <a:rPr lang="hu-HU" dirty="0" err="1"/>
-              <a:t>Xampp</a:t>
-            </a:r>
-            <a:endParaRPr lang="hu-HU" dirty="0"/>
-          </a:p>
-          <a:p>
-            <a:r>
-              <a:rPr lang="hu-HU" dirty="0"/>
-              <a:t>Word 2016</a:t>
-            </a:r>
-          </a:p>
-          <a:p>
-            <a:r>
-              <a:rPr lang="hu-HU" dirty="0" err="1"/>
-              <a:t>Trello</a:t>
-            </a:r>
-            <a:endParaRPr lang="hu-HU" dirty="0"/>
-          </a:p>
-          <a:p>
-            <a:endParaRPr lang="hu-HU" dirty="0"/>
-          </a:p>
-        </p:txBody>
-      </p:sp>
-      <p:pic>
-        <p:nvPicPr>
-          <p:cNvPr id="4" name="Kép 3"/>
-          <p:cNvPicPr>
-            <a:picLocks noChangeAspect="1"/>
-          </p:cNvPicPr>
-          <p:nvPr/>
-        </p:nvPicPr>
-        <p:blipFill>
-          <a:blip r:embed="rId2">
-            <a:extLst>
-              <a:ext uri="{28A0092B-C50C-407E-A947-70E740481C1C}">
-                <a14:useLocalDpi xmlns:a14="http://schemas.microsoft.com/office/drawing/2010/main" val="0"/>
-              </a:ext>
-            </a:extLst>
-          </a:blip>
-          <a:stretch>
-            <a:fillRect/>
-          </a:stretch>
-        </p:blipFill>
-        <p:spPr>
-          <a:xfrm>
-            <a:off x="8888614" y="310340"/>
-            <a:ext cx="2319262" cy="2160000"/>
-          </a:xfrm>
-          <a:prstGeom prst="rect">
-            <a:avLst/>
-          </a:prstGeom>
-        </p:spPr>
-      </p:pic>
-      <p:pic>
-        <p:nvPicPr>
-          <p:cNvPr id="5" name="Kép 4"/>
-          <p:cNvPicPr>
-            <a:picLocks noChangeAspect="1"/>
-          </p:cNvPicPr>
-          <p:nvPr/>
-        </p:nvPicPr>
-        <p:blipFill>
-          <a:blip r:embed="rId3" cstate="print">
-            <a:extLst>
-              <a:ext uri="{28A0092B-C50C-407E-A947-70E740481C1C}">
-                <a14:useLocalDpi xmlns:a14="http://schemas.microsoft.com/office/drawing/2010/main" val="0"/>
-              </a:ext>
-            </a:extLst>
-          </a:blip>
-          <a:stretch>
-            <a:fillRect/>
-          </a:stretch>
-        </p:blipFill>
-        <p:spPr>
-          <a:xfrm>
-            <a:off x="8033611" y="3086790"/>
-            <a:ext cx="2160000" cy="2160000"/>
-          </a:xfrm>
-          <a:prstGeom prst="rect">
-            <a:avLst/>
-          </a:prstGeom>
-        </p:spPr>
-      </p:pic>
-      <p:pic>
-        <p:nvPicPr>
-          <p:cNvPr id="6" name="Tartalom helye 3"/>
-          <p:cNvPicPr>
-            <a:picLocks noChangeAspect="1"/>
-          </p:cNvPicPr>
-          <p:nvPr/>
-        </p:nvPicPr>
-        <p:blipFill>
-          <a:blip r:embed="rId4">
-            <a:extLst>
-              <a:ext uri="{28A0092B-C50C-407E-A947-70E740481C1C}">
-                <a14:useLocalDpi xmlns:a14="http://schemas.microsoft.com/office/drawing/2010/main" val="0"/>
-              </a:ext>
-            </a:extLst>
-          </a:blip>
-          <a:stretch>
-            <a:fillRect/>
-          </a:stretch>
-        </p:blipFill>
-        <p:spPr>
-          <a:xfrm>
-            <a:off x="4377084" y="3893125"/>
-            <a:ext cx="2131327" cy="2160000"/>
-          </a:xfrm>
-          <a:prstGeom prst="rect">
-            <a:avLst/>
-          </a:prstGeom>
-        </p:spPr>
-      </p:pic>
+              <a:rPr lang="hu-HU" dirty="0"/>
+              <a:t>Luca: CSS, design</a:t>
+            </a:r>
+          </a:p>
+        </p:txBody>
+      </p:sp>
     </p:spTree>
     <p:extLst>
       <p:ext uri="{BB962C8B-B14F-4D97-AF65-F5344CB8AC3E}">
-        <p14:creationId xmlns:p14="http://schemas.microsoft.com/office/powerpoint/2010/main" val="2028932169"/>
+        <p14:creationId xmlns:p14="http://schemas.microsoft.com/office/powerpoint/2010/main" val="791051934"/>
       </p:ext>
     </p:extLst>
   </p:cSld>
@@ -4144,8 +5264,16 @@
           <a:lstStyle/>
           <a:p>
             <a:r>
-              <a:rPr lang="en-GB" dirty="0"/>
-              <a:t>Languages we used</a:t>
+              <a:rPr lang="hu-HU" dirty="0" err="1"/>
+              <a:t>Programs</a:t>
+            </a:r>
+            <a:r>
+              <a:rPr lang="hu-HU" dirty="0"/>
+              <a:t> we </a:t>
+            </a:r>
+            <a:r>
+              <a:rPr lang="hu-HU" dirty="0" err="1"/>
+              <a:t>used</a:t>
             </a:r>
             <a:r>
               <a:rPr lang="hu-HU" dirty="0"/>
@@ -4171,26 +5299,43 @@
           <a:p>
             <a:r>
               <a:rPr lang="hu-HU" dirty="0"/>
-              <a:t>HTML</a:t>
-            </a:r>
-          </a:p>
-          <a:p>
-            <a:r>
-              <a:rPr lang="hu-HU" dirty="0"/>
-              <a:t>JavaScript</a:t>
-            </a:r>
-          </a:p>
-          <a:p>
-            <a:r>
-              <a:rPr lang="hu-HU" dirty="0"/>
-              <a:t>CSS</a:t>
-            </a:r>
-          </a:p>
-          <a:p>
-            <a:r>
-              <a:rPr lang="hu-HU" dirty="0" err="1"/>
-              <a:t>PhP</a:t>
-            </a:r>
+              <a:t>Visual </a:t>
+            </a:r>
+            <a:r>
+              <a:rPr lang="hu-HU" dirty="0" err="1"/>
+              <a:t>Studio</a:t>
+            </a:r>
+            <a:r>
+              <a:rPr lang="hu-HU" dirty="0"/>
+              <a:t> </a:t>
+            </a:r>
+            <a:r>
+              <a:rPr lang="hu-HU" dirty="0" err="1"/>
+              <a:t>Code</a:t>
+            </a:r>
+            <a:endParaRPr lang="hu-HU" dirty="0"/>
+          </a:p>
+          <a:p>
+            <a:r>
+              <a:rPr lang="hu-HU" dirty="0" err="1"/>
+              <a:t>Xampp</a:t>
+            </a:r>
+            <a:endParaRPr lang="hu-HU" dirty="0"/>
+          </a:p>
+          <a:p>
+            <a:r>
+              <a:rPr lang="hu-HU" dirty="0"/>
+              <a:t>Word 2016</a:t>
+            </a:r>
+          </a:p>
+          <a:p>
+            <a:r>
+              <a:rPr lang="hu-HU" dirty="0" err="1"/>
+              <a:t>Trello</a:t>
+            </a:r>
+            <a:endParaRPr lang="hu-HU" dirty="0"/>
+          </a:p>
+          <a:p>
             <a:endParaRPr lang="hu-HU" dirty="0"/>
           </a:p>
         </p:txBody>
@@ -4204,7 +5349,7 @@
           <p:nvPr/>
         </p:nvPicPr>
         <p:blipFill>
-          <a:blip r:embed="rId2" cstate="print">
+          <a:blip r:embed="rId2">
             <a:extLst>
               <a:ext uri="{28A0092B-C50C-407E-A947-70E740481C1C}">
                 <a14:useLocalDpi xmlns:a14="http://schemas.microsoft.com/office/drawing/2010/main" val="0"/>
@@ -4217,8 +5362,8 @@
         </p:blipFill>
         <p:spPr>
           <a:xfrm>
-            <a:off x="7010032" y="723424"/>
-            <a:ext cx="2953870" cy="2061555"/>
+            <a:off x="8888614" y="310340"/>
+            <a:ext cx="2319262" cy="2160000"/>
           </a:xfrm>
           <a:prstGeom prst="rect">
             <a:avLst/>
@@ -4227,14 +5372,14 @@
       </p:pic>
       <p:pic>
         <p:nvPicPr>
-          <p:cNvPr id="5" name="Tartalom helye 3"/>
+          <p:cNvPr id="5" name="Kép 4"/>
           <p:cNvPicPr>
             <a:picLocks noChangeAspect="1"/>
           </p:cNvPicPr>
           <p:nvPr/>
         </p:nvPicPr>
         <p:blipFill>
-          <a:blip r:embed="rId3">
+          <a:blip r:embed="rId3" cstate="print">
             <a:extLst>
               <a:ext uri="{28A0092B-C50C-407E-A947-70E740481C1C}">
                 <a14:useLocalDpi xmlns:a14="http://schemas.microsoft.com/office/drawing/2010/main" val="0"/>
@@ -4247,8 +5392,38 @@
         </p:blipFill>
         <p:spPr>
           <a:xfrm>
-            <a:off x="2871494" y="3983138"/>
-            <a:ext cx="6886575" cy="1876425"/>
+            <a:off x="8033611" y="3086790"/>
+            <a:ext cx="2160000" cy="2160000"/>
+          </a:xfrm>
+          <a:prstGeom prst="rect">
+            <a:avLst/>
+          </a:prstGeom>
+        </p:spPr>
+      </p:pic>
+      <p:pic>
+        <p:nvPicPr>
+          <p:cNvPr id="6" name="Tartalom helye 3"/>
+          <p:cNvPicPr>
+            <a:picLocks noChangeAspect="1"/>
+          </p:cNvPicPr>
+          <p:nvPr/>
+        </p:nvPicPr>
+        <p:blipFill>
+          <a:blip r:embed="rId4">
+            <a:extLst>
+              <a:ext uri="{28A0092B-C50C-407E-A947-70E740481C1C}">
+                <a14:useLocalDpi xmlns:a14="http://schemas.microsoft.com/office/drawing/2010/main" val="0"/>
+              </a:ext>
+            </a:extLst>
+          </a:blip>
+          <a:stretch>
+            <a:fillRect/>
+          </a:stretch>
+        </p:blipFill>
+        <p:spPr>
+          <a:xfrm>
+            <a:off x="4377084" y="3893125"/>
+            <a:ext cx="2131327" cy="2160000"/>
           </a:xfrm>
           <a:prstGeom prst="rect">
             <a:avLst/>
@@ -4258,7 +5433,7 @@
     </p:spTree>
     <p:extLst>
       <p:ext uri="{BB962C8B-B14F-4D97-AF65-F5344CB8AC3E}">
-        <p14:creationId xmlns:p14="http://schemas.microsoft.com/office/powerpoint/2010/main" val="786996445"/>
+        <p14:creationId xmlns:p14="http://schemas.microsoft.com/office/powerpoint/2010/main" val="2028932169"/>
       </p:ext>
     </p:extLst>
   </p:cSld>
@@ -4301,80 +5476,121 @@
           <a:lstStyle/>
           <a:p>
             <a:r>
-              <a:rPr lang="hu-HU" dirty="0"/>
-              <a:t>Main </a:t>
-            </a:r>
-            <a:r>
-              <a:rPr lang="hu-HU" dirty="0" err="1"/>
-              <a:t>page</a:t>
+              <a:rPr lang="en-GB" dirty="0"/>
+              <a:t>Languages we used</a:t>
+            </a:r>
+            <a:r>
+              <a:rPr lang="hu-HU" dirty="0"/>
+              <a:t>:</a:t>
+            </a:r>
+          </a:p>
+        </p:txBody>
+      </p:sp>
+      <p:sp>
+        <p:nvSpPr>
+          <p:cNvPr id="3" name="Tartalom helye 2"/>
+          <p:cNvSpPr>
+            <a:spLocks noGrp="1"/>
+          </p:cNvSpPr>
+          <p:nvPr>
+            <p:ph idx="1"/>
+          </p:nvPr>
+        </p:nvSpPr>
+        <p:spPr/>
+        <p:txBody>
+          <a:bodyPr/>
+          <a:lstStyle/>
+          <a:p>
+            <a:r>
+              <a:rPr lang="hu-HU" dirty="0"/>
+              <a:t>HTML</a:t>
+            </a:r>
+          </a:p>
+          <a:p>
+            <a:r>
+              <a:rPr lang="hu-HU" dirty="0"/>
+              <a:t>JavaScript</a:t>
+            </a:r>
+          </a:p>
+          <a:p>
+            <a:r>
+              <a:rPr lang="hu-HU" dirty="0"/>
+              <a:t>CSS</a:t>
+            </a:r>
+          </a:p>
+          <a:p>
+            <a:r>
+              <a:rPr lang="hu-HU" dirty="0" err="1"/>
+              <a:t>PhP</a:t>
             </a:r>
             <a:endParaRPr lang="hu-HU" dirty="0"/>
           </a:p>
         </p:txBody>
       </p:sp>
-      <p:sp>
-        <p:nvSpPr>
-          <p:cNvPr id="3" name="Tartalom helye 2"/>
-          <p:cNvSpPr>
-            <a:spLocks noGrp="1"/>
-          </p:cNvSpPr>
-          <p:nvPr>
-            <p:ph idx="1"/>
-          </p:nvPr>
-        </p:nvSpPr>
-        <p:spPr/>
-        <p:txBody>
-          <a:bodyPr/>
-          <a:lstStyle/>
-          <a:p>
-            <a:r>
-              <a:rPr lang="en-GB" dirty="0"/>
-              <a:t>There is a slideshow about the types of products</a:t>
-            </a:r>
-          </a:p>
-          <a:p>
-            <a:r>
-              <a:rPr lang="en-GB" dirty="0"/>
-              <a:t>Pictures are sliding automatically</a:t>
-            </a:r>
-          </a:p>
-          <a:p>
-            <a:r>
-              <a:rPr lang="en-GB" dirty="0"/>
-              <a:t>On the footer you can see the contacts</a:t>
-            </a:r>
-          </a:p>
-          <a:p>
-            <a:r>
-              <a:rPr lang="en-GB" dirty="0"/>
-              <a:t>In the </a:t>
-            </a:r>
-            <a:r>
-              <a:rPr lang="en-GB" dirty="0" err="1"/>
-              <a:t>navbar</a:t>
-            </a:r>
-            <a:r>
-              <a:rPr lang="en-GB" dirty="0"/>
-              <a:t> you can choose the </a:t>
-            </a:r>
-            <a:r>
-              <a:rPr lang="en-GB" dirty="0" err="1"/>
-              <a:t>Webshop</a:t>
-            </a:r>
-            <a:r>
-              <a:rPr lang="en-GB" dirty="0"/>
-              <a:t> and the Registration or Log in buttons</a:t>
-            </a:r>
-          </a:p>
-          <a:p>
-            <a:endParaRPr lang="en-GB" dirty="0"/>
-          </a:p>
-        </p:txBody>
-      </p:sp>
+      <p:pic>
+        <p:nvPicPr>
+          <p:cNvPr id="4" name="Kép 3"/>
+          <p:cNvPicPr>
+            <a:picLocks noChangeAspect="1"/>
+          </p:cNvPicPr>
+          <p:nvPr/>
+        </p:nvPicPr>
+        <p:blipFill>
+          <a:blip r:embed="rId2" cstate="print">
+            <a:extLst>
+              <a:ext uri="{28A0092B-C50C-407E-A947-70E740481C1C}">
+                <a14:useLocalDpi xmlns:a14="http://schemas.microsoft.com/office/drawing/2010/main" val="0"/>
+              </a:ext>
+            </a:extLst>
+          </a:blip>
+          <a:stretch>
+            <a:fillRect/>
+          </a:stretch>
+        </p:blipFill>
+        <p:spPr>
+          <a:xfrm>
+            <a:off x="7010032" y="723424"/>
+            <a:ext cx="2953870" cy="2061555"/>
+          </a:xfrm>
+          <a:prstGeom prst="rect">
+            <a:avLst/>
+          </a:prstGeom>
+        </p:spPr>
+      </p:pic>
+      <p:pic>
+        <p:nvPicPr>
+          <p:cNvPr id="5" name="Tartalom helye 3"/>
+          <p:cNvPicPr>
+            <a:picLocks noChangeAspect="1"/>
+          </p:cNvPicPr>
+          <p:nvPr/>
+        </p:nvPicPr>
+        <p:blipFill>
+          <a:blip r:embed="rId3">
+            <a:extLst>
+              <a:ext uri="{28A0092B-C50C-407E-A947-70E740481C1C}">
+                <a14:useLocalDpi xmlns:a14="http://schemas.microsoft.com/office/drawing/2010/main" val="0"/>
+              </a:ext>
+            </a:extLst>
+          </a:blip>
+          <a:stretch>
+            <a:fillRect/>
+          </a:stretch>
+        </p:blipFill>
+        <p:spPr>
+          <a:xfrm>
+            <a:off x="2871494" y="3983138"/>
+            <a:ext cx="6886575" cy="1876425"/>
+          </a:xfrm>
+          <a:prstGeom prst="rect">
+            <a:avLst/>
+          </a:prstGeom>
+        </p:spPr>
+      </p:pic>
     </p:spTree>
     <p:extLst>
       <p:ext uri="{BB962C8B-B14F-4D97-AF65-F5344CB8AC3E}">
-        <p14:creationId xmlns:p14="http://schemas.microsoft.com/office/powerpoint/2010/main" val="2939268913"/>
+        <p14:creationId xmlns:p14="http://schemas.microsoft.com/office/powerpoint/2010/main" val="786996445"/>
       </p:ext>
     </p:extLst>
   </p:cSld>
@@ -4416,7 +5632,15 @@
           <a:bodyPr/>
           <a:lstStyle/>
           <a:p>
-            <a:endParaRPr lang="en-GB"/>
+            <a:r>
+              <a:rPr lang="hu-HU" dirty="0"/>
+              <a:t>Main </a:t>
+            </a:r>
+            <a:r>
+              <a:rPr lang="hu-HU" dirty="0" err="1"/>
+              <a:t>page</a:t>
+            </a:r>
+            <a:endParaRPr lang="hu-HU" dirty="0"/>
           </a:p>
         </p:txBody>
       </p:sp>
@@ -4435,86 +5659,72 @@
           <a:bodyPr/>
           <a:lstStyle/>
           <a:p>
-            <a:endParaRPr lang="en-GB"/>
-          </a:p>
-        </p:txBody>
-      </p:sp>
-      <p:pic>
-        <p:nvPicPr>
-          <p:cNvPr id="4" name="Kép 3"/>
-          <p:cNvPicPr>
-            <a:picLocks noChangeAspect="1"/>
-          </p:cNvPicPr>
-          <p:nvPr/>
-        </p:nvPicPr>
-        <p:blipFill>
-          <a:blip r:embed="rId2"/>
-          <a:stretch>
-            <a:fillRect/>
-          </a:stretch>
-        </p:blipFill>
-        <p:spPr>
-          <a:xfrm>
-            <a:off x="141946" y="156119"/>
-            <a:ext cx="5240600" cy="3339011"/>
-          </a:xfrm>
-          <a:prstGeom prst="rect">
-            <a:avLst/>
-          </a:prstGeom>
-        </p:spPr>
-      </p:pic>
-      <p:pic>
-        <p:nvPicPr>
-          <p:cNvPr id="5" name="Kép 4"/>
-          <p:cNvPicPr>
-            <a:picLocks noChangeAspect="1"/>
-          </p:cNvPicPr>
-          <p:nvPr/>
-        </p:nvPicPr>
-        <p:blipFill>
-          <a:blip r:embed="rId3"/>
-          <a:stretch>
-            <a:fillRect/>
-          </a:stretch>
-        </p:blipFill>
-        <p:spPr>
-          <a:xfrm>
-            <a:off x="6177295" y="2259"/>
-            <a:ext cx="6014705" cy="2144373"/>
-          </a:xfrm>
-          <a:prstGeom prst="rect">
-            <a:avLst/>
-          </a:prstGeom>
-        </p:spPr>
-      </p:pic>
-      <p:pic>
-        <p:nvPicPr>
-          <p:cNvPr id="6" name="Kép 5"/>
-          <p:cNvPicPr>
-            <a:picLocks noChangeAspect="1"/>
-          </p:cNvPicPr>
-          <p:nvPr/>
-        </p:nvPicPr>
-        <p:blipFill>
-          <a:blip r:embed="rId4"/>
-          <a:stretch>
-            <a:fillRect/>
-          </a:stretch>
-        </p:blipFill>
-        <p:spPr>
-          <a:xfrm>
-            <a:off x="5382546" y="2146632"/>
-            <a:ext cx="3322387" cy="4682468"/>
-          </a:xfrm>
-          <a:prstGeom prst="rect">
-            <a:avLst/>
-          </a:prstGeom>
-        </p:spPr>
-      </p:pic>
+            <a:r>
+              <a:rPr lang="en-GB" dirty="0"/>
+              <a:t>There is a slideshow about the types of products</a:t>
+            </a:r>
+          </a:p>
+          <a:p>
+            <a:r>
+              <a:rPr lang="en-GB" dirty="0"/>
+              <a:t>Pictures are sliding automatically</a:t>
+            </a:r>
+          </a:p>
+          <a:p>
+            <a:r>
+              <a:rPr lang="en-GB" dirty="0"/>
+              <a:t>On the footer you can see the contacts</a:t>
+            </a:r>
+          </a:p>
+          <a:p>
+            <a:r>
+              <a:rPr lang="en-GB" dirty="0"/>
+              <a:t>In the navbar you can choose </a:t>
+            </a:r>
+            <a:r>
+              <a:rPr lang="en-GB" dirty="0" err="1"/>
+              <a:t>th</a:t>
+            </a:r>
+            <a:r>
+              <a:rPr lang="hu-HU" dirty="0"/>
+              <a:t>e Main </a:t>
+            </a:r>
+            <a:r>
+              <a:rPr lang="hu-HU" dirty="0" err="1"/>
+              <a:t>age</a:t>
+            </a:r>
+            <a:r>
+              <a:rPr lang="hu-HU" dirty="0"/>
+              <a:t> </a:t>
+            </a:r>
+            <a:r>
+              <a:rPr lang="hu-HU" dirty="0" err="1"/>
+              <a:t>or</a:t>
+            </a:r>
+            <a:r>
+              <a:rPr lang="hu-HU" dirty="0"/>
+              <a:t> </a:t>
+            </a:r>
+            <a:r>
+              <a:rPr lang="hu-HU" dirty="0" err="1"/>
+              <a:t>the</a:t>
+            </a:r>
+            <a:r>
+              <a:rPr lang="en-GB" dirty="0"/>
+              <a:t> </a:t>
+            </a:r>
+            <a:r>
+              <a:rPr lang="en-GB" dirty="0" err="1"/>
+              <a:t>Webshop</a:t>
+            </a:r>
+            <a:endParaRPr lang="en-GB" dirty="0"/>
+          </a:p>
+        </p:txBody>
+      </p:sp>
     </p:spTree>
     <p:extLst>
       <p:ext uri="{BB962C8B-B14F-4D97-AF65-F5344CB8AC3E}">
-        <p14:creationId xmlns:p14="http://schemas.microsoft.com/office/powerpoint/2010/main" val="3101599811"/>
+        <p14:creationId xmlns:p14="http://schemas.microsoft.com/office/powerpoint/2010/main" val="2939268913"/>
       </p:ext>
     </p:extLst>
   </p:cSld>
@@ -4541,25 +5751,6 @@
           <a:chExt cx="0" cy="0"/>
         </a:xfrm>
       </p:grpSpPr>
-      <p:sp>
-        <p:nvSpPr>
-          <p:cNvPr id="2" name="Cím 1"/>
-          <p:cNvSpPr>
-            <a:spLocks noGrp="1"/>
-          </p:cNvSpPr>
-          <p:nvPr>
-            <p:ph type="title"/>
-          </p:nvPr>
-        </p:nvSpPr>
-        <p:spPr/>
-        <p:txBody>
-          <a:bodyPr/>
-          <a:lstStyle/>
-          <a:p>
-            <a:endParaRPr lang="en-GB" dirty="0"/>
-          </a:p>
-        </p:txBody>
-      </p:sp>
       <p:pic>
         <p:nvPicPr>
           <p:cNvPr id="4" name="Kép 3"/>
@@ -4576,8 +5767,62 @@
         </p:blipFill>
         <p:spPr>
           <a:xfrm>
-            <a:off x="1659465" y="1027906"/>
-            <a:ext cx="8873070" cy="4991102"/>
+            <a:off x="141946" y="156119"/>
+            <a:ext cx="5240600" cy="3339011"/>
+          </a:xfrm>
+          <a:prstGeom prst="rect">
+            <a:avLst/>
+          </a:prstGeom>
+        </p:spPr>
+      </p:pic>
+      <p:pic>
+        <p:nvPicPr>
+          <p:cNvPr id="5" name="Kép 4"/>
+          <p:cNvPicPr>
+            <a:picLocks noChangeAspect="1"/>
+          </p:cNvPicPr>
+          <p:nvPr/>
+        </p:nvPicPr>
+        <p:blipFill>
+          <a:blip r:embed="rId3"/>
+          <a:stretch>
+            <a:fillRect/>
+          </a:stretch>
+        </p:blipFill>
+        <p:spPr>
+          <a:xfrm>
+            <a:off x="6177295" y="2259"/>
+            <a:ext cx="6014705" cy="2144373"/>
+          </a:xfrm>
+          <a:prstGeom prst="rect">
+            <a:avLst/>
+          </a:prstGeom>
+        </p:spPr>
+      </p:pic>
+      <p:pic>
+        <p:nvPicPr>
+          <p:cNvPr id="7" name="Kép 6">
+            <a:extLst>
+              <a:ext uri="{FF2B5EF4-FFF2-40B4-BE49-F238E27FC236}">
+                <a16:creationId xmlns:a16="http://schemas.microsoft.com/office/drawing/2014/main" id="{64E3DFFA-22AB-4847-9CB0-B79BDE21578A}"/>
+              </a:ext>
+            </a:extLst>
+          </p:cNvPr>
+          <p:cNvPicPr>
+            <a:picLocks noChangeAspect="1"/>
+          </p:cNvPicPr>
+          <p:nvPr/>
+        </p:nvPicPr>
+        <p:blipFill>
+          <a:blip r:embed="rId4"/>
+          <a:stretch>
+            <a:fillRect/>
+          </a:stretch>
+        </p:blipFill>
+        <p:spPr>
+          <a:xfrm>
+            <a:off x="3229354" y="2053554"/>
+            <a:ext cx="3804330" cy="4802187"/>
           </a:xfrm>
           <a:prstGeom prst="rect">
             <a:avLst/>
@@ -4587,7 +5832,7 @@
     </p:spTree>
     <p:extLst>
       <p:ext uri="{BB962C8B-B14F-4D97-AF65-F5344CB8AC3E}">
-        <p14:creationId xmlns:p14="http://schemas.microsoft.com/office/powerpoint/2010/main" val="2952073982"/>
+        <p14:creationId xmlns:p14="http://schemas.microsoft.com/office/powerpoint/2010/main" val="3101599811"/>
       </p:ext>
     </p:extLst>
   </p:cSld>
@@ -4614,220 +5859,130 @@
           <a:chExt cx="0" cy="0"/>
         </a:xfrm>
       </p:grpSpPr>
-      <p:sp>
-        <p:nvSpPr>
-          <p:cNvPr id="2" name="Cím 1"/>
-          <p:cNvSpPr>
-            <a:spLocks noGrp="1"/>
-          </p:cNvSpPr>
-          <p:nvPr>
-            <p:ph type="title"/>
-          </p:nvPr>
-        </p:nvSpPr>
-        <p:spPr/>
-        <p:txBody>
-          <a:bodyPr/>
-          <a:lstStyle/>
-          <a:p>
-            <a:r>
-              <a:rPr lang="hu-HU" dirty="0"/>
-              <a:t>Webshop</a:t>
-            </a:r>
-          </a:p>
-        </p:txBody>
-      </p:sp>
-      <p:sp>
-        <p:nvSpPr>
-          <p:cNvPr id="3" name="Tartalom helye 2"/>
-          <p:cNvSpPr>
-            <a:spLocks noGrp="1"/>
-          </p:cNvSpPr>
-          <p:nvPr>
-            <p:ph idx="1"/>
-          </p:nvPr>
-        </p:nvSpPr>
-        <p:spPr/>
-        <p:txBody>
-          <a:bodyPr/>
-          <a:lstStyle/>
-          <a:p>
-            <a:r>
-              <a:rPr lang="en-GB" dirty="0"/>
-              <a:t>You</a:t>
-            </a:r>
-            <a:r>
-              <a:rPr lang="hu-HU" dirty="0"/>
-              <a:t> </a:t>
-            </a:r>
-            <a:r>
-              <a:rPr lang="hu-HU" dirty="0" err="1"/>
-              <a:t>can</a:t>
-            </a:r>
-            <a:r>
-              <a:rPr lang="hu-HU" dirty="0"/>
-              <a:t> </a:t>
-            </a:r>
-            <a:r>
-              <a:rPr lang="hu-HU" dirty="0" err="1"/>
-              <a:t>see</a:t>
-            </a:r>
-            <a:r>
-              <a:rPr lang="hu-HU" dirty="0"/>
-              <a:t> </a:t>
-            </a:r>
-            <a:r>
-              <a:rPr lang="hu-HU" dirty="0" err="1"/>
-              <a:t>the</a:t>
-            </a:r>
-            <a:r>
-              <a:rPr lang="hu-HU" dirty="0"/>
-              <a:t> </a:t>
-            </a:r>
-            <a:r>
-              <a:rPr lang="hu-HU" dirty="0" err="1"/>
-              <a:t>products</a:t>
-            </a:r>
-            <a:r>
-              <a:rPr lang="hu-HU" dirty="0"/>
-              <a:t> here</a:t>
-            </a:r>
-          </a:p>
-          <a:p>
-            <a:r>
-              <a:rPr lang="hu-HU" dirty="0" err="1"/>
-              <a:t>You</a:t>
-            </a:r>
-            <a:r>
-              <a:rPr lang="hu-HU" dirty="0"/>
-              <a:t> </a:t>
-            </a:r>
-            <a:r>
-              <a:rPr lang="hu-HU" dirty="0" err="1"/>
-              <a:t>can</a:t>
-            </a:r>
-            <a:r>
-              <a:rPr lang="hu-HU" dirty="0"/>
-              <a:t> </a:t>
-            </a:r>
-            <a:r>
-              <a:rPr lang="hu-HU" dirty="0" err="1"/>
-              <a:t>choose</a:t>
-            </a:r>
-            <a:r>
-              <a:rPr lang="hu-HU" dirty="0"/>
-              <a:t> </a:t>
-            </a:r>
-            <a:r>
-              <a:rPr lang="hu-HU" dirty="0" err="1"/>
-              <a:t>the</a:t>
-            </a:r>
-            <a:r>
-              <a:rPr lang="hu-HU" dirty="0"/>
-              <a:t> </a:t>
-            </a:r>
-            <a:r>
-              <a:rPr lang="hu-HU" dirty="0" err="1"/>
-              <a:t>products</a:t>
-            </a:r>
-            <a:r>
-              <a:rPr lang="hu-HU" dirty="0"/>
-              <a:t> </a:t>
-            </a:r>
-            <a:r>
-              <a:rPr lang="hu-HU" dirty="0" err="1"/>
-              <a:t>to</a:t>
-            </a:r>
-            <a:r>
-              <a:rPr lang="hu-HU" dirty="0"/>
-              <a:t> </a:t>
-            </a:r>
-            <a:r>
-              <a:rPr lang="hu-HU" dirty="0" err="1"/>
-              <a:t>put</a:t>
-            </a:r>
-            <a:r>
-              <a:rPr lang="hu-HU" dirty="0"/>
-              <a:t> </a:t>
-            </a:r>
-            <a:r>
-              <a:rPr lang="hu-HU" dirty="0" err="1"/>
-              <a:t>into</a:t>
-            </a:r>
-            <a:r>
-              <a:rPr lang="hu-HU" dirty="0"/>
-              <a:t> </a:t>
-            </a:r>
-            <a:r>
-              <a:rPr lang="hu-HU" dirty="0" err="1"/>
-              <a:t>the</a:t>
-            </a:r>
-            <a:r>
-              <a:rPr lang="hu-HU" dirty="0"/>
-              <a:t> </a:t>
-            </a:r>
-            <a:r>
-              <a:rPr lang="hu-HU" dirty="0" err="1"/>
-              <a:t>basket</a:t>
-            </a:r>
-            <a:endParaRPr lang="hu-HU" dirty="0"/>
-          </a:p>
-          <a:p>
-            <a:r>
-              <a:rPr lang="hu-HU" dirty="0"/>
-              <a:t>The </a:t>
-            </a:r>
-            <a:r>
-              <a:rPr lang="hu-HU" dirty="0" err="1"/>
-              <a:t>basket</a:t>
-            </a:r>
-            <a:r>
-              <a:rPr lang="hu-HU" dirty="0"/>
-              <a:t> is </a:t>
-            </a:r>
-            <a:r>
-              <a:rPr lang="hu-HU" dirty="0" err="1"/>
-              <a:t>at</a:t>
-            </a:r>
-            <a:r>
-              <a:rPr lang="hu-HU" dirty="0"/>
-              <a:t> </a:t>
-            </a:r>
-            <a:r>
-              <a:rPr lang="hu-HU" dirty="0" err="1"/>
-              <a:t>the</a:t>
-            </a:r>
-            <a:r>
-              <a:rPr lang="hu-HU" dirty="0"/>
-              <a:t> </a:t>
-            </a:r>
-            <a:r>
-              <a:rPr lang="hu-HU" dirty="0" err="1"/>
-              <a:t>bottom</a:t>
-            </a:r>
-            <a:r>
-              <a:rPr lang="hu-HU" dirty="0"/>
-              <a:t> of </a:t>
-            </a:r>
-            <a:r>
-              <a:rPr lang="hu-HU" dirty="0" err="1"/>
-              <a:t>the</a:t>
-            </a:r>
-            <a:r>
-              <a:rPr lang="hu-HU" dirty="0"/>
-              <a:t> </a:t>
-            </a:r>
-            <a:r>
-              <a:rPr lang="hu-HU" dirty="0" err="1"/>
-              <a:t>page</a:t>
-            </a:r>
-            <a:endParaRPr lang="hu-HU" dirty="0"/>
-          </a:p>
-        </p:txBody>
-      </p:sp>
+      <p:pic>
+        <p:nvPicPr>
+          <p:cNvPr id="4" name="Kép 3">
+            <a:extLst>
+              <a:ext uri="{FF2B5EF4-FFF2-40B4-BE49-F238E27FC236}">
+                <a16:creationId xmlns:a16="http://schemas.microsoft.com/office/drawing/2014/main" id="{07C19074-5282-4714-B0A5-2F7F34B23FF4}"/>
+              </a:ext>
+            </a:extLst>
+          </p:cNvPr>
+          <p:cNvPicPr>
+            <a:picLocks noChangeAspect="1"/>
+          </p:cNvPicPr>
+          <p:nvPr/>
+        </p:nvPicPr>
+        <p:blipFill>
+          <a:blip r:embed="rId2"/>
+          <a:stretch>
+            <a:fillRect/>
+          </a:stretch>
+        </p:blipFill>
+        <p:spPr>
+          <a:xfrm>
+            <a:off x="0" y="0"/>
+            <a:ext cx="2924735" cy="6858000"/>
+          </a:xfrm>
+          <a:prstGeom prst="rect">
+            <a:avLst/>
+          </a:prstGeom>
+        </p:spPr>
+      </p:pic>
+      <p:pic>
+        <p:nvPicPr>
+          <p:cNvPr id="5" name="Kép 4">
+            <a:extLst>
+              <a:ext uri="{FF2B5EF4-FFF2-40B4-BE49-F238E27FC236}">
+                <a16:creationId xmlns:a16="http://schemas.microsoft.com/office/drawing/2014/main" id="{73B46BB4-7064-46C4-9B5B-D32B80BA2CEB}"/>
+              </a:ext>
+            </a:extLst>
+          </p:cNvPr>
+          <p:cNvPicPr>
+            <a:picLocks noChangeAspect="1"/>
+          </p:cNvPicPr>
+          <p:nvPr/>
+        </p:nvPicPr>
+        <p:blipFill>
+          <a:blip r:embed="rId3"/>
+          <a:stretch>
+            <a:fillRect/>
+          </a:stretch>
+        </p:blipFill>
+        <p:spPr>
+          <a:xfrm>
+            <a:off x="3062920" y="0"/>
+            <a:ext cx="2885242" cy="6858000"/>
+          </a:xfrm>
+          <a:prstGeom prst="rect">
+            <a:avLst/>
+          </a:prstGeom>
+        </p:spPr>
+      </p:pic>
+      <p:pic>
+        <p:nvPicPr>
+          <p:cNvPr id="6" name="Kép 5">
+            <a:extLst>
+              <a:ext uri="{FF2B5EF4-FFF2-40B4-BE49-F238E27FC236}">
+                <a16:creationId xmlns:a16="http://schemas.microsoft.com/office/drawing/2014/main" id="{CB3B60BD-F232-4E4A-89EC-50904DBF9C9F}"/>
+              </a:ext>
+            </a:extLst>
+          </p:cNvPr>
+          <p:cNvPicPr>
+            <a:picLocks noChangeAspect="1"/>
+          </p:cNvPicPr>
+          <p:nvPr/>
+        </p:nvPicPr>
+        <p:blipFill>
+          <a:blip r:embed="rId4"/>
+          <a:stretch>
+            <a:fillRect/>
+          </a:stretch>
+        </p:blipFill>
+        <p:spPr>
+          <a:xfrm>
+            <a:off x="6096000" y="0"/>
+            <a:ext cx="2408903" cy="6858000"/>
+          </a:xfrm>
+          <a:prstGeom prst="rect">
+            <a:avLst/>
+          </a:prstGeom>
+        </p:spPr>
+      </p:pic>
+      <p:pic>
+        <p:nvPicPr>
+          <p:cNvPr id="7" name="Kép 6">
+            <a:extLst>
+              <a:ext uri="{FF2B5EF4-FFF2-40B4-BE49-F238E27FC236}">
+                <a16:creationId xmlns:a16="http://schemas.microsoft.com/office/drawing/2014/main" id="{07FA69EF-0D9F-46B3-A569-656E699533D1}"/>
+              </a:ext>
+            </a:extLst>
+          </p:cNvPr>
+          <p:cNvPicPr>
+            <a:picLocks noChangeAspect="1"/>
+          </p:cNvPicPr>
+          <p:nvPr/>
+        </p:nvPicPr>
+        <p:blipFill>
+          <a:blip r:embed="rId5"/>
+          <a:stretch>
+            <a:fillRect/>
+          </a:stretch>
+        </p:blipFill>
+        <p:spPr>
+          <a:xfrm>
+            <a:off x="8652742" y="0"/>
+            <a:ext cx="3539258" cy="6858000"/>
+          </a:xfrm>
+          <a:prstGeom prst="rect">
+            <a:avLst/>
+          </a:prstGeom>
+        </p:spPr>
+      </p:pic>
     </p:spTree>
     <p:extLst>
       <p:ext uri="{BB962C8B-B14F-4D97-AF65-F5344CB8AC3E}">
-        <p14:creationId xmlns:p14="http://schemas.microsoft.com/office/powerpoint/2010/main" val="216909567"/>
+        <p14:creationId xmlns:p14="http://schemas.microsoft.com/office/powerpoint/2010/main" val="3892966558"/>
       </p:ext>
     </p:extLst>
   </p:cSld>
@@ -4854,47 +6009,15 @@
           <a:chExt cx="0" cy="0"/>
         </a:xfrm>
       </p:grpSpPr>
-      <p:sp>
-        <p:nvSpPr>
-          <p:cNvPr id="2" name="Cím 1"/>
-          <p:cNvSpPr>
-            <a:spLocks noGrp="1"/>
-          </p:cNvSpPr>
-          <p:nvPr>
-            <p:ph type="title"/>
-          </p:nvPr>
-        </p:nvSpPr>
-        <p:spPr/>
-        <p:txBody>
-          <a:bodyPr/>
-          <a:lstStyle/>
-          <a:p>
-            <a:endParaRPr lang="en-GB"/>
-          </a:p>
-        </p:txBody>
-      </p:sp>
-      <p:sp>
-        <p:nvSpPr>
-          <p:cNvPr id="3" name="Tartalom helye 2"/>
-          <p:cNvSpPr>
-            <a:spLocks noGrp="1"/>
-          </p:cNvSpPr>
-          <p:nvPr>
-            <p:ph idx="1"/>
-          </p:nvPr>
-        </p:nvSpPr>
-        <p:spPr/>
-        <p:txBody>
-          <a:bodyPr/>
-          <a:lstStyle/>
-          <a:p>
-            <a:endParaRPr lang="en-GB"/>
-          </a:p>
-        </p:txBody>
-      </p:sp>
       <p:pic>
         <p:nvPicPr>
-          <p:cNvPr id="4" name="Kép 3"/>
+          <p:cNvPr id="3" name="Kép 2">
+            <a:extLst>
+              <a:ext uri="{FF2B5EF4-FFF2-40B4-BE49-F238E27FC236}">
+                <a16:creationId xmlns:a16="http://schemas.microsoft.com/office/drawing/2014/main" id="{7AF482F5-EC73-43A7-9AD2-2796FA98D412}"/>
+              </a:ext>
+            </a:extLst>
+          </p:cNvPr>
           <p:cNvPicPr>
             <a:picLocks noChangeAspect="1"/>
           </p:cNvPicPr>
@@ -4908,56 +6031,8 @@
         </p:blipFill>
         <p:spPr>
           <a:xfrm>
-            <a:off x="931026" y="0"/>
-            <a:ext cx="4707395" cy="3898669"/>
-          </a:xfrm>
-          <a:prstGeom prst="rect">
-            <a:avLst/>
-          </a:prstGeom>
-        </p:spPr>
-      </p:pic>
-      <p:pic>
-        <p:nvPicPr>
-          <p:cNvPr id="6" name="Kép 5"/>
-          <p:cNvPicPr>
-            <a:picLocks noChangeAspect="1"/>
-          </p:cNvPicPr>
-          <p:nvPr/>
-        </p:nvPicPr>
-        <p:blipFill>
-          <a:blip r:embed="rId3"/>
-          <a:stretch>
-            <a:fillRect/>
-          </a:stretch>
-        </p:blipFill>
-        <p:spPr>
-          <a:xfrm>
-            <a:off x="0" y="4102648"/>
-            <a:ext cx="9071500" cy="2436264"/>
-          </a:xfrm>
-          <a:prstGeom prst="rect">
-            <a:avLst/>
-          </a:prstGeom>
-        </p:spPr>
-      </p:pic>
-      <p:pic>
-        <p:nvPicPr>
-          <p:cNvPr id="5" name="Kép 4"/>
-          <p:cNvPicPr>
-            <a:picLocks noChangeAspect="1"/>
-          </p:cNvPicPr>
-          <p:nvPr/>
-        </p:nvPicPr>
-        <p:blipFill>
-          <a:blip r:embed="rId4"/>
-          <a:stretch>
-            <a:fillRect/>
-          </a:stretch>
-        </p:blipFill>
-        <p:spPr>
-          <a:xfrm>
-            <a:off x="7016465" y="0"/>
-            <a:ext cx="3824842" cy="5320780"/>
+            <a:off x="637563" y="358629"/>
+            <a:ext cx="10916873" cy="6140741"/>
           </a:xfrm>
           <a:prstGeom prst="rect">
             <a:avLst/>
@@ -4967,7 +6042,7 @@
     </p:spTree>
     <p:extLst>
       <p:ext uri="{BB962C8B-B14F-4D97-AF65-F5344CB8AC3E}">
-        <p14:creationId xmlns:p14="http://schemas.microsoft.com/office/powerpoint/2010/main" val="490578673"/>
+        <p14:creationId xmlns:p14="http://schemas.microsoft.com/office/powerpoint/2010/main" val="2952073982"/>
       </p:ext>
     </p:extLst>
   </p:cSld>
@@ -5009,67 +6084,205 @@
           <a:bodyPr/>
           <a:lstStyle/>
           <a:p>
-            <a:endParaRPr lang="en-GB"/>
-          </a:p>
-        </p:txBody>
-      </p:sp>
-      <p:pic>
-        <p:nvPicPr>
-          <p:cNvPr id="5" name="Tartalom helye 4"/>
-          <p:cNvPicPr>
-            <a:picLocks noGrp="1" noChangeAspect="1"/>
-          </p:cNvPicPr>
+            <a:r>
+              <a:rPr lang="hu-HU" dirty="0"/>
+              <a:t>Webshop</a:t>
+            </a:r>
+          </a:p>
+        </p:txBody>
+      </p:sp>
+      <p:sp>
+        <p:nvSpPr>
+          <p:cNvPr id="3" name="Tartalom helye 2"/>
+          <p:cNvSpPr>
+            <a:spLocks noGrp="1"/>
+          </p:cNvSpPr>
           <p:nvPr>
             <p:ph idx="1"/>
           </p:nvPr>
-        </p:nvPicPr>
-        <p:blipFill>
-          <a:blip r:embed="rId2" cstate="print">
-            <a:extLst>
-              <a:ext uri="{28A0092B-C50C-407E-A947-70E740481C1C}">
-                <a14:useLocalDpi xmlns:a14="http://schemas.microsoft.com/office/drawing/2010/main" val="0"/>
-              </a:ext>
-            </a:extLst>
-          </a:blip>
-          <a:stretch>
-            <a:fillRect/>
-          </a:stretch>
-        </p:blipFill>
-        <p:spPr>
-          <a:xfrm>
-            <a:off x="1138285" y="3889556"/>
-            <a:ext cx="5548321" cy="2485118"/>
-          </a:xfrm>
-        </p:spPr>
-      </p:pic>
-      <p:pic>
-        <p:nvPicPr>
-          <p:cNvPr id="4" name="Kép 3"/>
-          <p:cNvPicPr>
-            <a:picLocks noChangeAspect="1"/>
-          </p:cNvPicPr>
-          <p:nvPr/>
-        </p:nvPicPr>
-        <p:blipFill>
-          <a:blip r:embed="rId3"/>
-          <a:stretch>
-            <a:fillRect/>
-          </a:stretch>
-        </p:blipFill>
-        <p:spPr>
-          <a:xfrm>
-            <a:off x="5540468" y="365125"/>
-            <a:ext cx="5667463" cy="3086894"/>
-          </a:xfrm>
-          <a:prstGeom prst="rect">
-            <a:avLst/>
-          </a:prstGeom>
-        </p:spPr>
-      </p:pic>
+        </p:nvSpPr>
+        <p:spPr/>
+        <p:txBody>
+          <a:bodyPr/>
+          <a:lstStyle/>
+          <a:p>
+            <a:r>
+              <a:rPr lang="en-GB" dirty="0"/>
+              <a:t>You</a:t>
+            </a:r>
+            <a:r>
+              <a:rPr lang="hu-HU" dirty="0"/>
+              <a:t> </a:t>
+            </a:r>
+            <a:r>
+              <a:rPr lang="hu-HU" dirty="0" err="1"/>
+              <a:t>can</a:t>
+            </a:r>
+            <a:r>
+              <a:rPr lang="hu-HU" dirty="0"/>
+              <a:t> </a:t>
+            </a:r>
+            <a:r>
+              <a:rPr lang="hu-HU" dirty="0" err="1"/>
+              <a:t>see</a:t>
+            </a:r>
+            <a:r>
+              <a:rPr lang="hu-HU" dirty="0"/>
+              <a:t> </a:t>
+            </a:r>
+            <a:r>
+              <a:rPr lang="hu-HU" dirty="0" err="1"/>
+              <a:t>the</a:t>
+            </a:r>
+            <a:r>
+              <a:rPr lang="hu-HU" dirty="0"/>
+              <a:t> </a:t>
+            </a:r>
+            <a:r>
+              <a:rPr lang="hu-HU" dirty="0" err="1"/>
+              <a:t>products</a:t>
+            </a:r>
+            <a:r>
+              <a:rPr lang="hu-HU" dirty="0"/>
+              <a:t> here</a:t>
+            </a:r>
+          </a:p>
+          <a:p>
+            <a:r>
+              <a:rPr lang="hu-HU" dirty="0" err="1"/>
+              <a:t>You</a:t>
+            </a:r>
+            <a:r>
+              <a:rPr lang="hu-HU" dirty="0"/>
+              <a:t> </a:t>
+            </a:r>
+            <a:r>
+              <a:rPr lang="hu-HU" dirty="0" err="1"/>
+              <a:t>can</a:t>
+            </a:r>
+            <a:r>
+              <a:rPr lang="hu-HU" dirty="0"/>
+              <a:t> </a:t>
+            </a:r>
+            <a:r>
+              <a:rPr lang="hu-HU" dirty="0" err="1"/>
+              <a:t>choose</a:t>
+            </a:r>
+            <a:r>
+              <a:rPr lang="hu-HU" dirty="0"/>
+              <a:t> </a:t>
+            </a:r>
+            <a:r>
+              <a:rPr lang="hu-HU" dirty="0" err="1"/>
+              <a:t>the</a:t>
+            </a:r>
+            <a:r>
+              <a:rPr lang="hu-HU" dirty="0"/>
+              <a:t> </a:t>
+            </a:r>
+            <a:r>
+              <a:rPr lang="hu-HU" dirty="0" err="1"/>
+              <a:t>products</a:t>
+            </a:r>
+            <a:r>
+              <a:rPr lang="hu-HU" dirty="0"/>
+              <a:t> </a:t>
+            </a:r>
+            <a:r>
+              <a:rPr lang="hu-HU" dirty="0" err="1"/>
+              <a:t>to</a:t>
+            </a:r>
+            <a:r>
+              <a:rPr lang="hu-HU" dirty="0"/>
+              <a:t> </a:t>
+            </a:r>
+            <a:r>
+              <a:rPr lang="hu-HU" dirty="0" err="1"/>
+              <a:t>put</a:t>
+            </a:r>
+            <a:r>
+              <a:rPr lang="hu-HU" dirty="0"/>
+              <a:t> </a:t>
+            </a:r>
+            <a:r>
+              <a:rPr lang="hu-HU" dirty="0" err="1"/>
+              <a:t>into</a:t>
+            </a:r>
+            <a:r>
+              <a:rPr lang="hu-HU" dirty="0"/>
+              <a:t> </a:t>
+            </a:r>
+            <a:r>
+              <a:rPr lang="hu-HU" dirty="0" err="1"/>
+              <a:t>the</a:t>
+            </a:r>
+            <a:r>
+              <a:rPr lang="hu-HU" dirty="0"/>
+              <a:t> </a:t>
+            </a:r>
+            <a:r>
+              <a:rPr lang="hu-HU" dirty="0" err="1"/>
+              <a:t>basket</a:t>
+            </a:r>
+            <a:endParaRPr lang="hu-HU" dirty="0"/>
+          </a:p>
+          <a:p>
+            <a:r>
+              <a:rPr lang="hu-HU" dirty="0"/>
+              <a:t>The </a:t>
+            </a:r>
+            <a:r>
+              <a:rPr lang="hu-HU" dirty="0" err="1"/>
+              <a:t>basket</a:t>
+            </a:r>
+            <a:r>
+              <a:rPr lang="hu-HU" dirty="0"/>
+              <a:t> is </a:t>
+            </a:r>
+            <a:r>
+              <a:rPr lang="hu-HU" dirty="0" err="1"/>
+              <a:t>at</a:t>
+            </a:r>
+            <a:r>
+              <a:rPr lang="hu-HU" dirty="0"/>
+              <a:t> </a:t>
+            </a:r>
+            <a:r>
+              <a:rPr lang="hu-HU" dirty="0" err="1"/>
+              <a:t>the</a:t>
+            </a:r>
+            <a:r>
+              <a:rPr lang="hu-HU" dirty="0"/>
+              <a:t> </a:t>
+            </a:r>
+            <a:r>
+              <a:rPr lang="hu-HU" dirty="0" err="1"/>
+              <a:t>bottom</a:t>
+            </a:r>
+            <a:r>
+              <a:rPr lang="hu-HU" dirty="0"/>
+              <a:t> of </a:t>
+            </a:r>
+            <a:r>
+              <a:rPr lang="hu-HU" dirty="0" err="1"/>
+              <a:t>the</a:t>
+            </a:r>
+            <a:r>
+              <a:rPr lang="hu-HU" dirty="0"/>
+              <a:t> </a:t>
+            </a:r>
+            <a:r>
+              <a:rPr lang="hu-HU" dirty="0" err="1"/>
+              <a:t>page</a:t>
+            </a:r>
+            <a:endParaRPr lang="hu-HU" dirty="0"/>
+          </a:p>
+        </p:txBody>
+      </p:sp>
     </p:spTree>
     <p:extLst>
       <p:ext uri="{BB962C8B-B14F-4D97-AF65-F5344CB8AC3E}">
-        <p14:creationId xmlns:p14="http://schemas.microsoft.com/office/powerpoint/2010/main" val="4250447567"/>
+        <p14:creationId xmlns:p14="http://schemas.microsoft.com/office/powerpoint/2010/main" val="216909567"/>
       </p:ext>
     </p:extLst>
   </p:cSld>
@@ -5080,9 +6293,9 @@
 </file>
 
 <file path=ppt/theme/theme1.xml><?xml version="1.0" encoding="utf-8"?>
-<a:theme xmlns:a="http://schemas.openxmlformats.org/drawingml/2006/main" name="Office-téma">
+<a:theme xmlns:a="http://schemas.openxmlformats.org/drawingml/2006/main" name="Galéria">
   <a:themeElements>
-    <a:clrScheme name="Office">
+    <a:clrScheme name="Galéria">
       <a:dk1>
         <a:sysClr val="windowText" lastClr="000000"/>
       </a:dk1>
@@ -5090,39 +6303,39 @@
         <a:sysClr val="window" lastClr="FFFFFF"/>
       </a:lt1>
       <a:dk2>
-        <a:srgbClr val="44546A"/>
+        <a:srgbClr val="454545"/>
       </a:dk2>
       <a:lt2>
-        <a:srgbClr val="E7E6E6"/>
+        <a:srgbClr val="DFDBD5"/>
       </a:lt2>
       <a:accent1>
-        <a:srgbClr val="5B9BD5"/>
+        <a:srgbClr val="B71E42"/>
       </a:accent1>
       <a:accent2>
-        <a:srgbClr val="ED7D31"/>
+        <a:srgbClr val="DE478E"/>
       </a:accent2>
       <a:accent3>
-        <a:srgbClr val="A5A5A5"/>
+        <a:srgbClr val="BC72F0"/>
       </a:accent3>
       <a:accent4>
-        <a:srgbClr val="FFC000"/>
+        <a:srgbClr val="795FAF"/>
       </a:accent4>
       <a:accent5>
-        <a:srgbClr val="4472C4"/>
+        <a:srgbClr val="586EA6"/>
       </a:accent5>
       <a:accent6>
-        <a:srgbClr val="70AD47"/>
+        <a:srgbClr val="6892A0"/>
       </a:accent6>
       <a:hlink>
-        <a:srgbClr val="0563C1"/>
+        <a:srgbClr val="FA2B5C"/>
       </a:hlink>
       <a:folHlink>
-        <a:srgbClr val="954F72"/>
+        <a:srgbClr val="BC658E"/>
       </a:folHlink>
     </a:clrScheme>
-    <a:fontScheme name="Office">
+    <a:fontScheme name="Galéria">
       <a:majorFont>
-        <a:latin typeface="Calibri Light" panose="020F0302020204030204"/>
+        <a:latin typeface="Gill Sans MT" panose="020B0502020104020203"/>
         <a:ea typeface=""/>
         <a:cs typeface=""/>
         <a:font script="Jpan" typeface="游ゴシック Light"/>
@@ -5157,7 +6370,7 @@
         <a:font script="Geor" typeface="Sylfaen"/>
       </a:majorFont>
       <a:minorFont>
-        <a:latin typeface="Calibri" panose="020F0502020204030204"/>
+        <a:latin typeface="Gill Sans MT" panose="020B0502020104020203"/>
         <a:ea typeface=""/>
         <a:cs typeface=""/>
         <a:font script="Jpan" typeface="游ゴシック"/>
@@ -5192,7 +6405,7 @@
         <a:font script="Geor" typeface="Sylfaen"/>
       </a:minorFont>
     </a:fontScheme>
-    <a:fmtScheme name="Office">
+    <a:fmtScheme name="Galéria">
       <a:fillStyleLst>
         <a:solidFill>
           <a:schemeClr val="phClr"/>
@@ -5201,23 +6414,18 @@
           <a:gsLst>
             <a:gs pos="0">
               <a:schemeClr val="phClr">
+                <a:tint val="54000"/>
+                <a:alpha val="100000"/>
+                <a:satMod val="105000"/>
                 <a:lumMod val="110000"/>
-                <a:satMod val="105000"/>
-                <a:tint val="67000"/>
-              </a:schemeClr>
-            </a:gs>
-            <a:gs pos="50000">
-              <a:schemeClr val="phClr">
-                <a:lumMod val="105000"/>
-                <a:satMod val="103000"/>
-                <a:tint val="73000"/>
               </a:schemeClr>
             </a:gs>
             <a:gs pos="100000">
               <a:schemeClr val="phClr">
-                <a:lumMod val="105000"/>
+                <a:tint val="78000"/>
+                <a:alpha val="92000"/>
                 <a:satMod val="109000"/>
-                <a:tint val="81000"/>
+                <a:lumMod val="100000"/>
               </a:schemeClr>
             </a:gs>
           </a:gsLst>
@@ -5227,23 +6435,23 @@
           <a:gsLst>
             <a:gs pos="0">
               <a:schemeClr val="phClr">
-                <a:satMod val="103000"/>
-                <a:lumMod val="102000"/>
-                <a:tint val="94000"/>
+                <a:tint val="98000"/>
+                <a:satMod val="110000"/>
+                <a:lumMod val="104000"/>
               </a:schemeClr>
             </a:gs>
-            <a:gs pos="50000">
+            <a:gs pos="69000">
               <a:schemeClr val="phClr">
-                <a:satMod val="110000"/>
-                <a:lumMod val="100000"/>
-                <a:shade val="100000"/>
+                <a:shade val="88000"/>
+                <a:satMod val="130000"/>
+                <a:lumMod val="92000"/>
               </a:schemeClr>
             </a:gs>
             <a:gs pos="100000">
               <a:schemeClr val="phClr">
-                <a:lumMod val="99000"/>
-                <a:satMod val="120000"/>
                 <a:shade val="78000"/>
+                <a:satMod val="130000"/>
+                <a:lumMod val="92000"/>
               </a:schemeClr>
             </a:gs>
           </a:gsLst>
@@ -5251,26 +6459,23 @@
         </a:gradFill>
       </a:fillStyleLst>
       <a:lnStyleLst>
-        <a:ln w="6350" cap="flat" cmpd="sng" algn="ctr">
+        <a:ln w="9525" cap="flat" cmpd="sng" algn="ctr">
           <a:solidFill>
             <a:schemeClr val="phClr"/>
           </a:solidFill>
           <a:prstDash val="solid"/>
-          <a:miter lim="800000"/>
         </a:ln>
-        <a:ln w="12700" cap="flat" cmpd="sng" algn="ctr">
+        <a:ln w="15875" cap="flat" cmpd="sng" algn="ctr">
           <a:solidFill>
             <a:schemeClr val="phClr"/>
           </a:solidFill>
           <a:prstDash val="solid"/>
-          <a:miter lim="800000"/>
         </a:ln>
-        <a:ln w="19050" cap="flat" cmpd="sng" algn="ctr">
+        <a:ln w="22225" cap="flat" cmpd="sng" algn="ctr">
           <a:solidFill>
             <a:schemeClr val="phClr"/>
           </a:solidFill>
           <a:prstDash val="solid"/>
-          <a:miter lim="800000"/>
         </a:ln>
       </a:lnStyleLst>
       <a:effectStyleLst>
@@ -5282,12 +6487,23 @@
         </a:effectStyle>
         <a:effectStyle>
           <a:effectLst>
-            <a:outerShdw blurRad="57150" dist="19050" dir="5400000" algn="ctr" rotWithShape="0">
+            <a:outerShdw blurRad="50800" dist="50800" dir="5400000" sx="96000" sy="96000" rotWithShape="0">
               <a:srgbClr val="000000">
-                <a:alpha val="63000"/>
+                <a:alpha val="48000"/>
               </a:srgbClr>
             </a:outerShdw>
           </a:effectLst>
+          <a:scene3d>
+            <a:camera prst="orthographicFront">
+              <a:rot lat="0" lon="0" rev="0"/>
+            </a:camera>
+            <a:lightRig rig="balanced" dir="t">
+              <a:rot lat="0" lon="0" rev="1080000"/>
+            </a:lightRig>
+          </a:scene3d>
+          <a:sp3d>
+            <a:bevelT w="38100" h="12700" prst="softRound"/>
+          </a:sp3d>
         </a:effectStyle>
       </a:effectStyleLst>
       <a:bgFillStyleLst>
@@ -5295,37 +6511,26 @@
           <a:schemeClr val="phClr"/>
         </a:solidFill>
         <a:solidFill>
-          <a:schemeClr val="phClr">
-            <a:tint val="95000"/>
-            <a:satMod val="170000"/>
-          </a:schemeClr>
+          <a:schemeClr val="phClr"/>
         </a:solidFill>
         <a:gradFill rotWithShape="1">
           <a:gsLst>
             <a:gs pos="0">
               <a:schemeClr val="phClr">
-                <a:tint val="93000"/>
-                <a:satMod val="150000"/>
-                <a:shade val="98000"/>
-                <a:lumMod val="102000"/>
-              </a:schemeClr>
-            </a:gs>
-            <a:gs pos="50000">
-              <a:schemeClr val="phClr">
-                <a:tint val="98000"/>
-                <a:satMod val="130000"/>
-                <a:shade val="90000"/>
-                <a:lumMod val="103000"/>
+                <a:tint val="94000"/>
+                <a:satMod val="80000"/>
+                <a:lumMod val="106000"/>
               </a:schemeClr>
             </a:gs>
             <a:gs pos="100000">
               <a:schemeClr val="phClr">
-                <a:shade val="63000"/>
-                <a:satMod val="120000"/>
+                <a:shade val="80000"/>
               </a:schemeClr>
             </a:gs>
           </a:gsLst>
-          <a:lin ang="5400000" scaled="0"/>
+          <a:path path="circle">
+            <a:fillToRect l="43000" r="43000" b="100000"/>
+          </a:path>
         </a:gradFill>
       </a:bgFillStyleLst>
     </a:fmtScheme>
@@ -5334,7 +6539,7 @@
   <a:extraClrSchemeLst/>
   <a:extLst>
     <a:ext uri="{05A4C25C-085E-4340-85A3-A5531E510DB2}">
-      <thm15:themeFamily xmlns:thm15="http://schemas.microsoft.com/office/thememl/2012/main" name="Office Theme" id="{62F939B6-93AF-4DB8-9C6B-D6C7DFDC589F}" vid="{4A3C46E8-61CC-4603-A589-7422A47A8E4A}"/>
+      <thm15:themeFamily xmlns:thm15="http://schemas.microsoft.com/office/thememl/2012/main" name="Gallery" id="{BBFCD31E-59A1-489D-B089-A3EAD7CAE12E}" vid="{F5E91637-A7B6-4E27-B710-77DA7014EE1E}"/>
     </a:ext>
   </a:extLst>
 </a:theme>
